--- a/Статья/Презентация.pptx
+++ b/Статья/Презентация.pptx
@@ -10,9 +10,9 @@
     <p:sldId id="258" r:id="rId4"/>
     <p:sldId id="260" r:id="rId5"/>
     <p:sldId id="259" r:id="rId6"/>
-    <p:sldId id="262" r:id="rId7"/>
-    <p:sldId id="263" r:id="rId8"/>
-    <p:sldId id="267" r:id="rId9"/>
+    <p:sldId id="263" r:id="rId7"/>
+    <p:sldId id="267" r:id="rId8"/>
+    <p:sldId id="262" r:id="rId9"/>
     <p:sldId id="266" r:id="rId10"/>
     <p:sldId id="264" r:id="rId11"/>
   </p:sldIdLst>
@@ -123,7 +123,7 @@
 
 <file path=ppt/commentAuthors.xml><?xml version="1.0" encoding="utf-8"?>
 <p:cmAuthorLst xmlns:a="http://schemas.openxmlformats.org/drawingml/2006/main" xmlns:r="http://schemas.openxmlformats.org/officeDocument/2006/relationships" xmlns:p="http://schemas.openxmlformats.org/presentationml/2006/main">
-  <p:cmAuthor id="1" name="HOME" initials="H" lastIdx="24" clrIdx="0">
+  <p:cmAuthor id="1" name="HOME" initials="H" lastIdx="27" clrIdx="0">
     <p:extLst>
       <p:ext uri="{19B8F6BF-5375-455C-9EA6-DF929625EA0E}">
         <p15:presenceInfo xmlns:p15="http://schemas.microsoft.com/office/powerpoint/2012/main" userId="HOME" providerId="None"/>
@@ -137,25 +137,25 @@
 <p:cmLst xmlns:a="http://schemas.openxmlformats.org/drawingml/2006/main" xmlns:r="http://schemas.openxmlformats.org/officeDocument/2006/relationships" xmlns:p="http://schemas.openxmlformats.org/presentationml/2006/main">
   <p:cm authorId="1" dt="2024-04-09T22:39:25.402" idx="22">
     <p:pos x="4621" y="1445"/>
-    <p:text>пример рисунка кривой</p:text>
+    <p:text>пример кривой</p:text>
     <p:extLst>
       <p:ext uri="{C676402C-5697-4E1C-873F-D02D1690AC5C}">
         <p15:threadingInfo xmlns:p15="http://schemas.microsoft.com/office/powerpoint/2012/main" timeZoneBias="-180"/>
       </p:ext>
     </p:extLst>
   </p:cm>
-  <p:cm authorId="1" dt="2024-04-10T02:07:30.438" idx="23">
-    <p:pos x="1510" y="3475"/>
-    <p:text>исключить</p:text>
+  <p:cm authorId="1" dt="2024-04-10T06:06:03.308" idx="25">
+    <p:pos x="6046" y="1332"/>
+    <p:text>не понятно как связать</p:text>
     <p:extLst>
       <p:ext uri="{C676402C-5697-4E1C-873F-D02D1690AC5C}">
         <p15:threadingInfo xmlns:p15="http://schemas.microsoft.com/office/powerpoint/2012/main" timeZoneBias="-180"/>
       </p:ext>
     </p:extLst>
   </p:cm>
-  <p:cm authorId="1" dt="2024-04-10T02:07:39.276" idx="24">
-    <p:pos x="4771" y="3599"/>
-    <p:text>наверное исключить</p:text>
+  <p:cm authorId="1" dt="2024-04-10T06:22:39.764" idx="26">
+    <p:pos x="1950" y="3379"/>
+    <p:text>убрать</p:text>
     <p:extLst>
       <p:ext uri="{C676402C-5697-4E1C-873F-D02D1690AC5C}">
         <p15:threadingInfo xmlns:p15="http://schemas.microsoft.com/office/powerpoint/2012/main" timeZoneBias="-180"/>
@@ -166,20 +166,6 @@
 </file>
 
 <file path=ppt/comments/comment2.xml><?xml version="1.0" encoding="utf-8"?>
-<p:cmLst xmlns:a="http://schemas.openxmlformats.org/drawingml/2006/main" xmlns:r="http://schemas.openxmlformats.org/officeDocument/2006/relationships" xmlns:p="http://schemas.openxmlformats.org/presentationml/2006/main">
-  <p:cm authorId="1" dt="2024-04-03T00:15:58.593" idx="2">
-    <p:pos x="4103" y="802"/>
-    <p:text>Кривая MSD с производной</p:text>
-    <p:extLst>
-      <p:ext uri="{C676402C-5697-4E1C-873F-D02D1690AC5C}">
-        <p15:threadingInfo xmlns:p15="http://schemas.microsoft.com/office/powerpoint/2012/main" timeZoneBias="-180"/>
-      </p:ext>
-    </p:extLst>
-  </p:cm>
-</p:cmLst>
-</file>
-
-<file path=ppt/comments/comment3.xml><?xml version="1.0" encoding="utf-8"?>
 <p:cmLst xmlns:a="http://schemas.openxmlformats.org/drawingml/2006/main" xmlns:r="http://schemas.openxmlformats.org/officeDocument/2006/relationships" xmlns:p="http://schemas.openxmlformats.org/presentationml/2006/main">
   <p:cm authorId="1" dt="2024-04-03T00:35:09.782" idx="6">
     <p:pos x="1566" y="1567"/>
@@ -193,11 +179,25 @@
 </p:cmLst>
 </file>
 
-<file path=ppt/comments/comment4.xml><?xml version="1.0" encoding="utf-8"?>
+<file path=ppt/comments/comment3.xml><?xml version="1.0" encoding="utf-8"?>
 <p:cmLst xmlns:a="http://schemas.openxmlformats.org/drawingml/2006/main" xmlns:r="http://schemas.openxmlformats.org/officeDocument/2006/relationships" xmlns:p="http://schemas.openxmlformats.org/presentationml/2006/main">
   <p:cm authorId="1" dt="2024-04-09T02:55:08.993" idx="17">
     <p:pos x="10" y="10"/>
     <p:text>сводные таблицы из данных</p:text>
+    <p:extLst>
+      <p:ext uri="{C676402C-5697-4E1C-873F-D02D1690AC5C}">
+        <p15:threadingInfo xmlns:p15="http://schemas.microsoft.com/office/powerpoint/2012/main" timeZoneBias="-180"/>
+      </p:ext>
+    </p:extLst>
+  </p:cm>
+</p:cmLst>
+</file>
+
+<file path=ppt/comments/comment4.xml><?xml version="1.0" encoding="utf-8"?>
+<p:cmLst xmlns:a="http://schemas.openxmlformats.org/drawingml/2006/main" xmlns:r="http://schemas.openxmlformats.org/officeDocument/2006/relationships" xmlns:p="http://schemas.openxmlformats.org/presentationml/2006/main">
+  <p:cm authorId="1" dt="2024-04-03T00:15:58.593" idx="2">
+    <p:pos x="3978" y="788"/>
+    <p:text>Кривые MSD с производной</p:text>
     <p:extLst>
       <p:ext uri="{C676402C-5697-4E1C-873F-D02D1690AC5C}">
         <p15:threadingInfo xmlns:p15="http://schemas.microsoft.com/office/powerpoint/2012/main" timeZoneBias="-180"/>
@@ -251,7 +251,7 @@
 <file path=ppt/comments/comment6.xml><?xml version="1.0" encoding="utf-8"?>
 <p:cmLst xmlns:a="http://schemas.openxmlformats.org/drawingml/2006/main" xmlns:r="http://schemas.openxmlformats.org/officeDocument/2006/relationships" xmlns:p="http://schemas.openxmlformats.org/presentationml/2006/main">
   <p:cm authorId="1" dt="2024-04-08T20:24:07.706" idx="15">
-    <p:pos x="2653" y="2293"/>
+    <p:pos x="4738" y="2329"/>
     <p:text>возможно удалить</p:text>
     <p:extLst>
       <p:ext uri="{C676402C-5697-4E1C-873F-D02D1690AC5C}">
@@ -393,7 +393,7 @@
           <a:p>
             <a:fld id="{0C4D8C92-61A2-47BB-AAD3-B7E35F26F47B}" type="datetimeFigureOut">
               <a:rPr lang="ru-RU" smtClean="0"/>
-              <a:t>09.04.2024</a:t>
+              <a:t>10.04.2024</a:t>
             </a:fld>
             <a:endParaRPr lang="ru-RU" dirty="0"/>
           </a:p>
@@ -563,7 +563,7 @@
           <a:p>
             <a:fld id="{0C4D8C92-61A2-47BB-AAD3-B7E35F26F47B}" type="datetimeFigureOut">
               <a:rPr lang="ru-RU" smtClean="0"/>
-              <a:t>09.04.2024</a:t>
+              <a:t>10.04.2024</a:t>
             </a:fld>
             <a:endParaRPr lang="ru-RU" dirty="0"/>
           </a:p>
@@ -743,7 +743,7 @@
           <a:p>
             <a:fld id="{0C4D8C92-61A2-47BB-AAD3-B7E35F26F47B}" type="datetimeFigureOut">
               <a:rPr lang="ru-RU" smtClean="0"/>
-              <a:t>09.04.2024</a:t>
+              <a:t>10.04.2024</a:t>
             </a:fld>
             <a:endParaRPr lang="ru-RU" dirty="0"/>
           </a:p>
@@ -932,7 +932,7 @@
           <a:p>
             <a:fld id="{0C4D8C92-61A2-47BB-AAD3-B7E35F26F47B}" type="datetimeFigureOut">
               <a:rPr lang="ru-RU" smtClean="0"/>
-              <a:t>09.04.2024</a:t>
+              <a:t>10.04.2024</a:t>
             </a:fld>
             <a:endParaRPr lang="ru-RU" dirty="0"/>
           </a:p>
@@ -1176,7 +1176,7 @@
           <a:p>
             <a:fld id="{0C4D8C92-61A2-47BB-AAD3-B7E35F26F47B}" type="datetimeFigureOut">
               <a:rPr lang="ru-RU" smtClean="0"/>
-              <a:t>09.04.2024</a:t>
+              <a:t>10.04.2024</a:t>
             </a:fld>
             <a:endParaRPr lang="ru-RU" dirty="0"/>
           </a:p>
@@ -1408,7 +1408,7 @@
           <a:p>
             <a:fld id="{0C4D8C92-61A2-47BB-AAD3-B7E35F26F47B}" type="datetimeFigureOut">
               <a:rPr lang="ru-RU" smtClean="0"/>
-              <a:t>09.04.2024</a:t>
+              <a:t>10.04.2024</a:t>
             </a:fld>
             <a:endParaRPr lang="ru-RU" dirty="0"/>
           </a:p>
@@ -1775,7 +1775,7 @@
           <a:p>
             <a:fld id="{0C4D8C92-61A2-47BB-AAD3-B7E35F26F47B}" type="datetimeFigureOut">
               <a:rPr lang="ru-RU" smtClean="0"/>
-              <a:t>09.04.2024</a:t>
+              <a:t>10.04.2024</a:t>
             </a:fld>
             <a:endParaRPr lang="ru-RU" dirty="0"/>
           </a:p>
@@ -1893,7 +1893,7 @@
           <a:p>
             <a:fld id="{0C4D8C92-61A2-47BB-AAD3-B7E35F26F47B}" type="datetimeFigureOut">
               <a:rPr lang="ru-RU" smtClean="0"/>
-              <a:t>09.04.2024</a:t>
+              <a:t>10.04.2024</a:t>
             </a:fld>
             <a:endParaRPr lang="ru-RU" dirty="0"/>
           </a:p>
@@ -1988,7 +1988,7 @@
           <a:p>
             <a:fld id="{0C4D8C92-61A2-47BB-AAD3-B7E35F26F47B}" type="datetimeFigureOut">
               <a:rPr lang="ru-RU" smtClean="0"/>
-              <a:t>09.04.2024</a:t>
+              <a:t>10.04.2024</a:t>
             </a:fld>
             <a:endParaRPr lang="ru-RU" dirty="0"/>
           </a:p>
@@ -2265,7 +2265,7 @@
           <a:p>
             <a:fld id="{0C4D8C92-61A2-47BB-AAD3-B7E35F26F47B}" type="datetimeFigureOut">
               <a:rPr lang="ru-RU" smtClean="0"/>
-              <a:t>09.04.2024</a:t>
+              <a:t>10.04.2024</a:t>
             </a:fld>
             <a:endParaRPr lang="ru-RU" dirty="0"/>
           </a:p>
@@ -2522,7 +2522,7 @@
           <a:p>
             <a:fld id="{0C4D8C92-61A2-47BB-AAD3-B7E35F26F47B}" type="datetimeFigureOut">
               <a:rPr lang="ru-RU" smtClean="0"/>
-              <a:t>09.04.2024</a:t>
+              <a:t>10.04.2024</a:t>
             </a:fld>
             <a:endParaRPr lang="ru-RU" dirty="0"/>
           </a:p>
@@ -2735,7 +2735,7 @@
           <a:p>
             <a:fld id="{0C4D8C92-61A2-47BB-AAD3-B7E35F26F47B}" type="datetimeFigureOut">
               <a:rPr lang="ru-RU" smtClean="0"/>
-              <a:t>09.04.2024</a:t>
+              <a:t>10.04.2024</a:t>
             </a:fld>
             <a:endParaRPr lang="ru-RU" dirty="0"/>
           </a:p>
@@ -3394,7 +3394,15 @@
             </a:pPr>
             <a:r>
               <a:rPr lang="ru-RU" dirty="0"/>
-              <a:t>Установлены зависимости вязкости от </a:t>
+              <a:t>Установлены зависимости вязкости от</a:t>
+            </a:r>
+            <a:r>
+              <a:rPr lang="en-US" dirty="0"/>
+              <a:t> </a:t>
+            </a:r>
+            <a:r>
+              <a:rPr lang="ru-RU" dirty="0"/>
+              <a:t>состава смесей и температуры </a:t>
             </a:r>
           </a:p>
           <a:p>
@@ -3546,7 +3554,7 @@
             </a:br>
             <a:r>
               <a:rPr lang="ru-RU" dirty="0"/>
-              <a:t>а также их зависимости от температуры</a:t>
+              <a:t>а также их зависимости от температуры при 15 -40  ͦС</a:t>
             </a:r>
           </a:p>
         </p:txBody>
@@ -3579,7 +3587,7 @@
           <a:graphicData uri="http://schemas.openxmlformats.org/presentationml/2006/ole">
             <mc:AlternateContent xmlns:mc="http://schemas.openxmlformats.org/markup-compatibility/2006">
               <mc:Choice xmlns:v="urn:schemas-microsoft-com:vml" Requires="v">
-                <p:oleObj spid="_x0000_s3086" name="CS ChemDraw Drawing" r:id="rId3" imgW="7309372" imgH="1458297" progId="ChemDraw.Document.6.0">
+                <p:oleObj spid="_x0000_s3118" name="CS ChemDraw Drawing" r:id="rId3" imgW="7309372" imgH="1458297" progId="ChemDraw.Document.6.0">
                   <p:embed/>
                 </p:oleObj>
               </mc:Choice>
@@ -3642,7 +3650,7 @@
           <a:graphicData uri="http://schemas.openxmlformats.org/presentationml/2006/ole">
             <mc:AlternateContent xmlns:mc="http://schemas.openxmlformats.org/markup-compatibility/2006">
               <mc:Choice xmlns:v="urn:schemas-microsoft-com:vml" Requires="v">
-                <p:oleObj spid="_x0000_s3087" name="CS ChemDraw Drawing" r:id="rId5" imgW="3043553" imgH="1411008" progId="ChemDraw.Document.6.0">
+                <p:oleObj spid="_x0000_s3119" name="CS ChemDraw Drawing" r:id="rId5" imgW="3043553" imgH="1411008" progId="ChemDraw.Document.6.0">
                   <p:embed/>
                 </p:oleObj>
               </mc:Choice>
@@ -3705,7 +3713,7 @@
           <a:graphicData uri="http://schemas.openxmlformats.org/presentationml/2006/ole">
             <mc:AlternateContent xmlns:mc="http://schemas.openxmlformats.org/markup-compatibility/2006">
               <mc:Choice xmlns:v="urn:schemas-microsoft-com:vml" Requires="v">
-                <p:oleObj spid="_x0000_s3088" name="CS ChemDraw Drawing" r:id="rId7" imgW="1508741" imgH="592654" progId="ChemDraw.Document.6.0">
+                <p:oleObj spid="_x0000_s3120" name="CS ChemDraw Drawing" r:id="rId7" imgW="1508741" imgH="592654" progId="ChemDraw.Document.6.0">
                   <p:embed/>
                 </p:oleObj>
               </mc:Choice>
@@ -3768,7 +3776,7 @@
           <a:graphicData uri="http://schemas.openxmlformats.org/presentationml/2006/ole">
             <mc:AlternateContent xmlns:mc="http://schemas.openxmlformats.org/markup-compatibility/2006">
               <mc:Choice xmlns:v="urn:schemas-microsoft-com:vml" Requires="v">
-                <p:oleObj spid="_x0000_s3089" name="CS ChemDraw Drawing" r:id="rId9" imgW="3345055" imgH="2373073" progId="ChemDraw.Document.6.0">
+                <p:oleObj spid="_x0000_s3121" name="CS ChemDraw Drawing" r:id="rId9" imgW="3345055" imgH="2373073" progId="ChemDraw.Document.6.0">
                   <p:embed/>
                 </p:oleObj>
               </mc:Choice>
@@ -3863,8 +3871,8 @@
           </a:p>
         </p:txBody>
       </p:sp>
-      <mc:AlternateContent xmlns:mc="http://schemas.openxmlformats.org/markup-compatibility/2006">
-        <mc:Choice xmlns:a14="http://schemas.microsoft.com/office/drawing/2010/main" Requires="a14">
+      <mc:AlternateContent xmlns:mc="http://schemas.openxmlformats.org/markup-compatibility/2006" xmlns:a14="http://schemas.microsoft.com/office/drawing/2010/main">
+        <mc:Choice Requires="a14">
           <p:sp>
             <p:nvSpPr>
               <p:cNvPr id="4" name="TextBox 3">
@@ -5415,7 +5423,7 @@
             </p:txBody>
           </p:sp>
         </mc:Choice>
-        <mc:Fallback>
+        <mc:Fallback xmlns="">
           <p:sp>
             <p:nvSpPr>
               <p:cNvPr id="4" name="TextBox 3">
@@ -5542,8 +5550,8 @@
           </a:p>
         </p:txBody>
       </p:sp>
-      <mc:AlternateContent xmlns:mc="http://schemas.openxmlformats.org/markup-compatibility/2006">
-        <mc:Choice xmlns:a14="http://schemas.microsoft.com/office/drawing/2010/main" Requires="a14">
+      <mc:AlternateContent xmlns:mc="http://schemas.openxmlformats.org/markup-compatibility/2006" xmlns:a14="http://schemas.microsoft.com/office/drawing/2010/main">
+        <mc:Choice Requires="a14">
           <p:sp>
             <p:nvSpPr>
               <p:cNvPr id="7" name="TextBox 6">
@@ -6838,7 +6846,7 @@
             </p:txBody>
           </p:sp>
         </mc:Choice>
-        <mc:Fallback>
+        <mc:Fallback xmlns="">
           <p:sp>
             <p:nvSpPr>
               <p:cNvPr id="7" name="TextBox 6">
@@ -7047,23 +7055,22 @@
                 </a:ext>
               </a:extLst>
             </p:cNvPr>
-            <p:cNvCxnSpPr/>
+            <p:cNvCxnSpPr>
+              <a:cxnSpLocks/>
+            </p:cNvCxnSpPr>
             <p:nvPr/>
           </p:nvCxnSpPr>
           <p:spPr>
             <a:xfrm flipV="1">
-              <a:off x="4703885" y="3228945"/>
-              <a:ext cx="3534507" cy="1050748"/>
+              <a:off x="4757633" y="3300038"/>
+              <a:ext cx="3457443" cy="1033077"/>
             </a:xfrm>
             <a:prstGeom prst="line">
               <a:avLst/>
             </a:prstGeom>
             <a:ln w="19050">
               <a:solidFill>
-                <a:schemeClr val="tx1">
-                  <a:lumMod val="95000"/>
-                  <a:lumOff val="5000"/>
-                </a:schemeClr>
+                <a:srgbClr val="FF0000"/>
               </a:solidFill>
             </a:ln>
           </p:spPr>
@@ -7097,10 +7104,10 @@
         </p:nvGrpSpPr>
         <p:grpSpPr>
           <a:xfrm>
-            <a:off x="2832529" y="882872"/>
-            <a:ext cx="1349562" cy="1547394"/>
-            <a:chOff x="1970906" y="743601"/>
-            <a:chExt cx="1349562" cy="1547394"/>
+            <a:off x="2832529" y="889784"/>
+            <a:ext cx="1349562" cy="1308609"/>
+            <a:chOff x="1970906" y="750513"/>
+            <a:chExt cx="1349562" cy="1308609"/>
           </a:xfrm>
         </p:grpSpPr>
         <p:sp>
@@ -7781,117 +7788,9 @@
             </a:fontRef>
           </p:style>
         </p:cxnSp>
-        <p:sp>
-          <p:nvSpPr>
-            <p:cNvPr id="58" name="TextBox 57">
-              <a:extLst>
-                <a:ext uri="{FF2B5EF4-FFF2-40B4-BE49-F238E27FC236}">
-                  <a16:creationId xmlns:a16="http://schemas.microsoft.com/office/drawing/2014/main" id="{DC601955-B410-44BC-8673-9A00849E7FBC}"/>
-                </a:ext>
-              </a:extLst>
-            </p:cNvPr>
-            <p:cNvSpPr txBox="1"/>
-            <p:nvPr/>
-          </p:nvSpPr>
-          <p:spPr>
-            <a:xfrm>
-              <a:off x="2007289" y="1884413"/>
-              <a:ext cx="317716" cy="369332"/>
-            </a:xfrm>
-            <a:prstGeom prst="rect">
-              <a:avLst/>
-            </a:prstGeom>
-            <a:noFill/>
-          </p:spPr>
-          <p:txBody>
-            <a:bodyPr wrap="none" rtlCol="0">
-              <a:spAutoFit/>
-            </a:bodyPr>
-            <a:lstStyle/>
-            <a:p>
-              <a:r>
-                <a:rPr lang="en-US" dirty="0"/>
-                <a:t>A</a:t>
-              </a:r>
-              <a:endParaRPr lang="ru-RU" dirty="0"/>
-            </a:p>
-          </p:txBody>
-        </p:sp>
-        <p:sp>
-          <p:nvSpPr>
-            <p:cNvPr id="64" name="TextBox 63">
-              <a:extLst>
-                <a:ext uri="{FF2B5EF4-FFF2-40B4-BE49-F238E27FC236}">
-                  <a16:creationId xmlns:a16="http://schemas.microsoft.com/office/drawing/2014/main" id="{8B86BCDB-4D17-4BA5-B498-04565B02780A}"/>
-                </a:ext>
-              </a:extLst>
-            </p:cNvPr>
-            <p:cNvSpPr txBox="1"/>
-            <p:nvPr/>
-          </p:nvSpPr>
-          <p:spPr>
-            <a:xfrm>
-              <a:off x="1996951" y="743601"/>
-              <a:ext cx="317716" cy="369332"/>
-            </a:xfrm>
-            <a:prstGeom prst="rect">
-              <a:avLst/>
-            </a:prstGeom>
-            <a:noFill/>
-          </p:spPr>
-          <p:txBody>
-            <a:bodyPr wrap="none" rtlCol="0">
-              <a:spAutoFit/>
-            </a:bodyPr>
-            <a:lstStyle/>
-            <a:p>
-              <a:r>
-                <a:rPr lang="en-US" dirty="0"/>
-                <a:t>B</a:t>
-              </a:r>
-              <a:endParaRPr lang="ru-RU" dirty="0"/>
-            </a:p>
-          </p:txBody>
-        </p:sp>
-        <p:sp>
-          <p:nvSpPr>
-            <p:cNvPr id="65" name="TextBox 64">
-              <a:extLst>
-                <a:ext uri="{FF2B5EF4-FFF2-40B4-BE49-F238E27FC236}">
-                  <a16:creationId xmlns:a16="http://schemas.microsoft.com/office/drawing/2014/main" id="{E6113344-5D5C-47CB-A425-A73E842848C2}"/>
-                </a:ext>
-              </a:extLst>
-            </p:cNvPr>
-            <p:cNvSpPr txBox="1"/>
-            <p:nvPr/>
-          </p:nvSpPr>
-          <p:spPr>
-            <a:xfrm>
-              <a:off x="2745152" y="1921663"/>
-              <a:ext cx="317716" cy="369332"/>
-            </a:xfrm>
-            <a:prstGeom prst="rect">
-              <a:avLst/>
-            </a:prstGeom>
-            <a:noFill/>
-          </p:spPr>
-          <p:txBody>
-            <a:bodyPr wrap="none" rtlCol="0">
-              <a:spAutoFit/>
-            </a:bodyPr>
-            <a:lstStyle/>
-            <a:p>
-              <a:r>
-                <a:rPr lang="en-US" dirty="0"/>
-                <a:t>C</a:t>
-              </a:r>
-              <a:endParaRPr lang="ru-RU" dirty="0"/>
-            </a:p>
-          </p:txBody>
-        </p:sp>
       </p:grpSp>
-      <mc:AlternateContent xmlns:mc="http://schemas.openxmlformats.org/markup-compatibility/2006">
-        <mc:Choice xmlns:a14="http://schemas.microsoft.com/office/drawing/2010/main" Requires="a14">
+      <mc:AlternateContent xmlns:mc="http://schemas.openxmlformats.org/markup-compatibility/2006" xmlns:a14="http://schemas.microsoft.com/office/drawing/2010/main">
+        <mc:Choice Requires="a14">
           <p:sp>
             <p:nvSpPr>
               <p:cNvPr id="18" name="TextBox 17">
@@ -7971,7 +7870,7 @@
             </p:txBody>
           </p:sp>
         </mc:Choice>
-        <mc:Fallback>
+        <mc:Fallback xmlns="">
           <p:sp>
             <p:nvSpPr>
               <p:cNvPr id="18" name="TextBox 17">
@@ -8016,8 +7915,8 @@
           </p:sp>
         </mc:Fallback>
       </mc:AlternateContent>
-      <mc:AlternateContent xmlns:mc="http://schemas.openxmlformats.org/markup-compatibility/2006">
-        <mc:Choice xmlns:a14="http://schemas.microsoft.com/office/drawing/2010/main" Requires="a14">
+      <mc:AlternateContent xmlns:mc="http://schemas.openxmlformats.org/markup-compatibility/2006" xmlns:a14="http://schemas.microsoft.com/office/drawing/2010/main">
+        <mc:Choice Requires="a14">
           <p:sp>
             <p:nvSpPr>
               <p:cNvPr id="25" name="TextBox 24">
@@ -8148,7 +8047,17 @@
                           <a:effectLst/>
                           <a:latin typeface="Cambria Math" panose="02040503050406030204" pitchFamily="18" charset="0"/>
                         </a:rPr>
-                        <m:t>=0</m:t>
+                        <m:t>=</m:t>
+                      </m:r>
+                      <m:r>
+                        <a:rPr lang="ru-RU" sz="2400" kern="1200">
+                          <a:solidFill>
+                            <a:schemeClr val="dk1"/>
+                          </a:solidFill>
+                          <a:effectLst/>
+                          <a:latin typeface="Cambria Math" panose="02040503050406030204" pitchFamily="18" charset="0"/>
+                        </a:rPr>
+                        <m:t>0</m:t>
                       </m:r>
                     </m:oMath>
                   </m:oMathPara>
@@ -8158,7 +8067,7 @@
             </p:txBody>
           </p:sp>
         </mc:Choice>
-        <mc:Fallback>
+        <mc:Fallback xmlns="">
           <p:sp>
             <p:nvSpPr>
               <p:cNvPr id="25" name="TextBox 24">
@@ -8253,7 +8162,7 @@
             <p:spPr>
               <a:xfrm>
                 <a:off x="10210" y="4193069"/>
-                <a:ext cx="5262880" cy="833433"/>
+                <a:ext cx="6870650" cy="833433"/>
               </a:xfrm>
               <a:prstGeom prst="rect">
                 <a:avLst/>
@@ -8315,7 +8224,13 @@
                             <a:rPr lang="ru-RU" sz="2400" i="0">
                               <a:latin typeface="Cambria Math" panose="02040503050406030204" pitchFamily="18" charset="0"/>
                             </a:rPr>
-                            <m:t>→∞</m:t>
+                            <m:t>→</m:t>
+                          </m:r>
+                          <m:r>
+                            <a:rPr lang="ru-RU" sz="2400" i="0">
+                              <a:latin typeface="Cambria Math" panose="02040503050406030204" pitchFamily="18" charset="0"/>
+                            </a:rPr>
+                            <m:t>∞</m:t>
                           </m:r>
                         </m:lim>
                       </m:limLow>
@@ -8463,7 +8378,13 @@
                             <a:rPr lang="ru-RU" sz="2400" i="0">
                               <a:latin typeface="Cambria Math" panose="02040503050406030204" pitchFamily="18" charset="0"/>
                             </a:rPr>
-                            <m:t>2⁢</m:t>
+                            <m:t>2</m:t>
+                          </m:r>
+                          <m:r>
+                            <a:rPr lang="ru-RU" sz="2400" i="0">
+                              <a:latin typeface="Cambria Math" panose="02040503050406030204" pitchFamily="18" charset="0"/>
+                            </a:rPr>
+                            <m:t>⁢</m:t>
                           </m:r>
                           <m:r>
                             <a:rPr lang="ru-RU" sz="2400" i="1">
@@ -8473,6 +8394,25 @@
                           </m:r>
                         </m:den>
                       </m:f>
+                      <m:r>
+                        <a:rPr lang="ru-RU" sz="2400" b="0" i="1" smtClean="0">
+                          <a:latin typeface="Cambria Math" panose="02040503050406030204" pitchFamily="18" charset="0"/>
+                        </a:rPr>
+                        <m:t> </m:t>
+                      </m:r>
+                      <m:r>
+                        <a:rPr lang="ru-RU" sz="2400" i="1" smtClean="0">
+                          <a:latin typeface="Cambria Math" panose="02040503050406030204" pitchFamily="18" charset="0"/>
+                          <a:ea typeface="Cambria Math" panose="02040503050406030204" pitchFamily="18" charset="0"/>
+                        </a:rPr>
+                        <m:t>⟹</m:t>
+                      </m:r>
+                      <m:r>
+                        <a:rPr lang="ru-RU" sz="2400" i="1">
+                          <a:latin typeface="Cambria Math" panose="02040503050406030204" pitchFamily="18" charset="0"/>
+                        </a:rPr>
+                        <m:t>𝐷</m:t>
+                      </m:r>
                       <m:r>
                         <a:rPr lang="en-US" sz="2400" b="0" i="1" smtClean="0">
                           <a:latin typeface="Cambria Math" panose="02040503050406030204" pitchFamily="18" charset="0"/>
@@ -8566,7 +8506,7 @@
             <p:spPr>
               <a:xfrm>
                 <a:off x="10210" y="4193069"/>
-                <a:ext cx="5262880" cy="833433"/>
+                <a:ext cx="6870650" cy="833433"/>
               </a:xfrm>
               <a:prstGeom prst="rect">
                 <a:avLst/>
@@ -8665,8 +8605,13 @@
             <a:pPr algn="ctr"/>
             <a:r>
               <a:rPr lang="ru-RU" sz="2000" b="1" dirty="0"/>
-              <a:t>Статистическая интерпретация</a:t>
+              <a:t>Уравнение Эйнштейна-</a:t>
             </a:r>
+            <a:r>
+              <a:rPr lang="ru-RU" sz="2000" b="1" dirty="0" err="1"/>
+              <a:t>Смолуховского</a:t>
+            </a:r>
+            <a:endParaRPr lang="ru-RU" sz="2000" b="1" dirty="0"/>
           </a:p>
         </p:txBody>
       </p:sp>
@@ -8686,8 +8631,8 @@
             </p:nvSpPr>
             <p:spPr>
               <a:xfrm>
-                <a:off x="10210" y="6117862"/>
-                <a:ext cx="4556500" cy="400110"/>
+                <a:off x="56551" y="5886336"/>
+                <a:ext cx="4556500" cy="407869"/>
               </a:xfrm>
               <a:prstGeom prst="rect">
                 <a:avLst/>
@@ -8703,17 +8648,35 @@
                 <a:pPr algn="ctr"/>
                 <a14:m>
                   <m:oMath xmlns:m="http://schemas.openxmlformats.org/officeDocument/2006/math">
-                    <m:r>
-                      <a:rPr lang="ru-RU" sz="2000" i="1" smtClean="0">
-                        <a:latin typeface="Cambria Math" panose="02040503050406030204" pitchFamily="18" charset="0"/>
-                      </a:rPr>
-                      <m:t>𝐷</m:t>
-                    </m:r>
+                    <m:acc>
+                      <m:accPr>
+                        <m:chr m:val="̃"/>
+                        <m:ctrlPr>
+                          <a:rPr lang="ru-RU" sz="2000" i="1" smtClean="0">
+                            <a:latin typeface="Cambria Math" panose="02040503050406030204" pitchFamily="18" charset="0"/>
+                          </a:rPr>
+                        </m:ctrlPr>
+                      </m:accPr>
+                      <m:e>
+                        <m:r>
+                          <a:rPr lang="ru-RU" sz="2000" i="1">
+                            <a:latin typeface="Cambria Math" panose="02040503050406030204" pitchFamily="18" charset="0"/>
+                          </a:rPr>
+                          <m:t>𝐷</m:t>
+                        </m:r>
+                      </m:e>
+                    </m:acc>
                     <m:r>
                       <a:rPr lang="en-US" sz="2000" b="0" i="1" smtClean="0">
                         <a:latin typeface="Cambria Math" panose="02040503050406030204" pitchFamily="18" charset="0"/>
                       </a:rPr>
                       <m:t>=</m:t>
+                    </m:r>
+                    <m:r>
+                      <a:rPr lang="ru-RU" sz="2000" b="0" i="1" smtClean="0">
+                        <a:latin typeface="Cambria Math" panose="02040503050406030204" pitchFamily="18" charset="0"/>
+                      </a:rPr>
+                      <m:t>(</m:t>
                     </m:r>
                     <m:sSub>
                       <m:sSubPr>
@@ -8724,12 +8687,24 @@
                         </m:ctrlPr>
                       </m:sSubPr>
                       <m:e>
-                        <m:r>
-                          <a:rPr lang="en-US" sz="2000" i="1">
-                            <a:latin typeface="Cambria Math" panose="02040503050406030204" pitchFamily="18" charset="0"/>
-                          </a:rPr>
-                          <m:t>𝐷</m:t>
-                        </m:r>
+                        <m:acc>
+                          <m:accPr>
+                            <m:chr m:val="̃"/>
+                            <m:ctrlPr>
+                              <a:rPr lang="en-US" sz="2000" b="0" i="1" smtClean="0">
+                                <a:latin typeface="Cambria Math" panose="02040503050406030204" pitchFamily="18" charset="0"/>
+                              </a:rPr>
+                            </m:ctrlPr>
+                          </m:accPr>
+                          <m:e>
+                            <m:r>
+                              <a:rPr lang="en-US" sz="2000" i="1">
+                                <a:latin typeface="Cambria Math" panose="02040503050406030204" pitchFamily="18" charset="0"/>
+                              </a:rPr>
+                              <m:t>𝐷</m:t>
+                            </m:r>
+                          </m:e>
+                        </m:acc>
                       </m:e>
                       <m:sub>
                         <m:r>
@@ -8785,12 +8760,24 @@
                         </m:ctrlPr>
                       </m:sSubPr>
                       <m:e>
-                        <m:r>
-                          <a:rPr lang="en-US" sz="2000" i="1">
-                            <a:latin typeface="Cambria Math" panose="02040503050406030204" pitchFamily="18" charset="0"/>
-                          </a:rPr>
-                          <m:t>𝐷</m:t>
-                        </m:r>
+                        <m:acc>
+                          <m:accPr>
+                            <m:chr m:val="̃"/>
+                            <m:ctrlPr>
+                              <a:rPr lang="en-US" sz="2000" i="1">
+                                <a:latin typeface="Cambria Math" panose="02040503050406030204" pitchFamily="18" charset="0"/>
+                              </a:rPr>
+                            </m:ctrlPr>
+                          </m:accPr>
+                          <m:e>
+                            <m:r>
+                              <a:rPr lang="en-US" sz="2000" i="1">
+                                <a:latin typeface="Cambria Math" panose="02040503050406030204" pitchFamily="18" charset="0"/>
+                              </a:rPr>
+                              <m:t>𝐷</m:t>
+                            </m:r>
+                          </m:e>
+                        </m:acc>
                       </m:e>
                       <m:sub>
                         <m:r>
@@ -8801,6 +8788,12 @@
                         </m:r>
                       </m:sub>
                     </m:sSub>
+                    <m:r>
+                      <a:rPr lang="en-US" sz="2000" i="1">
+                        <a:latin typeface="Cambria Math" panose="02040503050406030204" pitchFamily="18" charset="0"/>
+                      </a:rPr>
+                      <m:t> </m:t>
+                    </m:r>
                     <m:sSub>
                       <m:sSubPr>
                         <m:ctrlPr>
@@ -8829,6 +8822,12 @@
                         </m:r>
                       </m:sub>
                     </m:sSub>
+                    <m:r>
+                      <a:rPr lang="ru-RU" sz="2000" b="0" i="1" smtClean="0">
+                        <a:latin typeface="Cambria Math" panose="02040503050406030204" pitchFamily="18" charset="0"/>
+                      </a:rPr>
+                      <m:t>)</m:t>
+                    </m:r>
                   </m:oMath>
                 </a14:m>
                 <a:endParaRPr lang="ru-RU" sz="2000" dirty="0"/>
@@ -8853,8 +8852,8 @@
             </p:nvSpPr>
             <p:spPr>
               <a:xfrm>
-                <a:off x="10210" y="6117862"/>
-                <a:ext cx="4556500" cy="400110"/>
+                <a:off x="56551" y="5886336"/>
+                <a:ext cx="4556500" cy="407869"/>
               </a:xfrm>
               <a:prstGeom prst="rect">
                 <a:avLst/>
@@ -8862,7 +8861,7 @@
               <a:blipFill>
                 <a:blip r:embed="rId7"/>
                 <a:stretch>
-                  <a:fillRect t="-9231" b="-27692"/>
+                  <a:fillRect t="-8955" b="-26866"/>
                 </a:stretch>
               </a:blipFill>
             </p:spPr>
@@ -8912,8 +8911,13 @@
             <a:pPr algn="ctr"/>
             <a:r>
               <a:rPr lang="ru-RU" sz="2000" dirty="0"/>
-              <a:t>Общий коэффициент диффузии</a:t>
+              <a:t>Уравнение </a:t>
             </a:r>
+            <a:r>
+              <a:rPr lang="ru-RU" sz="2000" dirty="0" err="1"/>
+              <a:t>Даркена</a:t>
+            </a:r>
+            <a:endParaRPr lang="ru-RU" sz="2000" dirty="0"/>
           </a:p>
         </p:txBody>
       </p:sp>
@@ -8953,8 +8957,8 @@
           </a:p>
         </p:txBody>
       </p:sp>
-      <mc:AlternateContent xmlns:mc="http://schemas.openxmlformats.org/markup-compatibility/2006">
-        <mc:Choice xmlns:a14="http://schemas.microsoft.com/office/drawing/2010/main" Requires="a14">
+      <mc:AlternateContent xmlns:mc="http://schemas.openxmlformats.org/markup-compatibility/2006" xmlns:a14="http://schemas.microsoft.com/office/drawing/2010/main">
+        <mc:Choice Requires="a14">
           <p:sp>
             <p:nvSpPr>
               <p:cNvPr id="85" name="TextBox 84">
@@ -9101,7 +9105,7 @@
             </p:txBody>
           </p:sp>
         </mc:Choice>
-        <mc:Fallback>
+        <mc:Fallback xmlns="">
           <p:sp>
             <p:nvSpPr>
               <p:cNvPr id="85" name="TextBox 84">
@@ -9146,6 +9150,289 @@
           </p:sp>
         </mc:Fallback>
       </mc:AlternateContent>
+      <p:cxnSp>
+        <p:nvCxnSpPr>
+          <p:cNvPr id="4" name="Прямая со стрелкой 3">
+            <a:extLst>
+              <a:ext uri="{FF2B5EF4-FFF2-40B4-BE49-F238E27FC236}">
+                <a16:creationId xmlns:a16="http://schemas.microsoft.com/office/drawing/2014/main" id="{2A369DB9-DB2B-47F5-AAF7-D368F547A800}"/>
+              </a:ext>
+            </a:extLst>
+          </p:cNvPr>
+          <p:cNvCxnSpPr>
+            <a:stCxn id="9" idx="6"/>
+            <a:endCxn id="30" idx="2"/>
+          </p:cNvCxnSpPr>
+          <p:nvPr/>
+        </p:nvCxnSpPr>
+        <p:spPr>
+          <a:xfrm>
+            <a:off x="2922316" y="2149694"/>
+            <a:ext cx="643000" cy="3806"/>
+          </a:xfrm>
+          <a:prstGeom prst="straightConnector1">
+            <a:avLst/>
+          </a:prstGeom>
+          <a:ln w="12700">
+            <a:solidFill>
+              <a:schemeClr val="tx1">
+                <a:lumMod val="95000"/>
+                <a:lumOff val="5000"/>
+              </a:schemeClr>
+            </a:solidFill>
+            <a:prstDash val="sysDash"/>
+            <a:tailEnd type="triangle"/>
+          </a:ln>
+        </p:spPr>
+        <p:style>
+          <a:lnRef idx="1">
+            <a:schemeClr val="accent1"/>
+          </a:lnRef>
+          <a:fillRef idx="0">
+            <a:schemeClr val="accent1"/>
+          </a:fillRef>
+          <a:effectRef idx="0">
+            <a:schemeClr val="accent1"/>
+          </a:effectRef>
+          <a:fontRef idx="minor">
+            <a:schemeClr val="tx1"/>
+          </a:fontRef>
+        </p:style>
+      </p:cxnSp>
+      <mc:AlternateContent xmlns:mc="http://schemas.openxmlformats.org/markup-compatibility/2006">
+        <mc:Choice xmlns:a14="http://schemas.microsoft.com/office/drawing/2010/main" Requires="a14">
+          <p:sp>
+            <p:nvSpPr>
+              <p:cNvPr id="40" name="TextBox 39">
+                <a:extLst>
+                  <a:ext uri="{FF2B5EF4-FFF2-40B4-BE49-F238E27FC236}">
+                    <a16:creationId xmlns:a16="http://schemas.microsoft.com/office/drawing/2014/main" id="{DD4D5C60-03B4-4E34-A784-56D23B6B6065}"/>
+                  </a:ext>
+                </a:extLst>
+              </p:cNvPr>
+              <p:cNvSpPr txBox="1"/>
+              <p:nvPr/>
+            </p:nvSpPr>
+            <p:spPr>
+              <a:xfrm>
+                <a:off x="9831705" y="1008341"/>
+                <a:ext cx="4728210" cy="524118"/>
+              </a:xfrm>
+              <a:prstGeom prst="rect">
+                <a:avLst/>
+              </a:prstGeom>
+              <a:noFill/>
+            </p:spPr>
+            <p:txBody>
+              <a:bodyPr wrap="square">
+                <a:spAutoFit/>
+              </a:bodyPr>
+              <a:lstStyle/>
+              <a:p>
+                <a14:m>
+                  <m:oMath xmlns:m="http://schemas.openxmlformats.org/officeDocument/2006/math">
+                    <m:r>
+                      <a:rPr lang="en-US" sz="1800" b="0" i="1" smtClean="0">
+                        <a:latin typeface="Cambria Math" panose="02040503050406030204" pitchFamily="18" charset="0"/>
+                      </a:rPr>
+                      <m:t>(</m:t>
+                    </m:r>
+                    <m:r>
+                      <a:rPr lang="en-US" sz="1800" b="0" i="1" smtClean="0">
+                        <a:latin typeface="Cambria Math" panose="02040503050406030204" pitchFamily="18" charset="0"/>
+                      </a:rPr>
+                      <m:t>1</m:t>
+                    </m:r>
+                    <m:r>
+                      <a:rPr lang="en-US" sz="1800" b="0" i="1" smtClean="0">
+                        <a:latin typeface="Cambria Math" panose="02040503050406030204" pitchFamily="18" charset="0"/>
+                      </a:rPr>
+                      <m:t>+</m:t>
+                    </m:r>
+                    <m:f>
+                      <m:fPr>
+                        <m:ctrlPr>
+                          <a:rPr lang="ru-RU" sz="1800" b="0" i="1" smtClean="0">
+                            <a:latin typeface="Cambria Math" panose="02040503050406030204" pitchFamily="18" charset="0"/>
+                          </a:rPr>
+                        </m:ctrlPr>
+                      </m:fPr>
+                      <m:num>
+                        <m:r>
+                          <a:rPr lang="en-US" sz="1800" b="0" i="1" smtClean="0">
+                            <a:latin typeface="Cambria Math" panose="02040503050406030204" pitchFamily="18" charset="0"/>
+                          </a:rPr>
+                          <m:t>𝑑</m:t>
+                        </m:r>
+                        <m:r>
+                          <a:rPr lang="en-US" sz="1800" b="0" i="1" smtClean="0">
+                            <a:latin typeface="Cambria Math" panose="02040503050406030204" pitchFamily="18" charset="0"/>
+                            <a:ea typeface="Cambria Math" panose="02040503050406030204" pitchFamily="18" charset="0"/>
+                          </a:rPr>
+                          <m:t>𝑙𝑛</m:t>
+                        </m:r>
+                        <m:r>
+                          <a:rPr lang="en-US" sz="1800" b="0" i="1" smtClean="0">
+                            <a:latin typeface="Cambria Math" panose="02040503050406030204" pitchFamily="18" charset="0"/>
+                            <a:ea typeface="Cambria Math" panose="02040503050406030204" pitchFamily="18" charset="0"/>
+                          </a:rPr>
+                          <m:t> </m:t>
+                        </m:r>
+                        <m:sSub>
+                          <m:sSubPr>
+                            <m:ctrlPr>
+                              <a:rPr lang="en-US" sz="1800" b="0" i="1" smtClean="0">
+                                <a:latin typeface="Cambria Math" panose="02040503050406030204" pitchFamily="18" charset="0"/>
+                                <a:ea typeface="Cambria Math" panose="02040503050406030204" pitchFamily="18" charset="0"/>
+                              </a:rPr>
+                            </m:ctrlPr>
+                          </m:sSubPr>
+                          <m:e>
+                            <m:r>
+                              <a:rPr lang="en-US" sz="1800" i="1">
+                                <a:latin typeface="Cambria Math" panose="02040503050406030204" pitchFamily="18" charset="0"/>
+                                <a:ea typeface="Cambria Math" panose="02040503050406030204" pitchFamily="18" charset="0"/>
+                              </a:rPr>
+                              <m:t>𝛾</m:t>
+                            </m:r>
+                          </m:e>
+                          <m:sub>
+                            <m:r>
+                              <a:rPr lang="en-US" sz="1800" b="0" i="1" smtClean="0">
+                                <a:latin typeface="Cambria Math" panose="02040503050406030204" pitchFamily="18" charset="0"/>
+                                <a:ea typeface="Cambria Math" panose="02040503050406030204" pitchFamily="18" charset="0"/>
+                              </a:rPr>
+                              <m:t>1</m:t>
+                            </m:r>
+                          </m:sub>
+                        </m:sSub>
+                      </m:num>
+                      <m:den>
+                        <m:r>
+                          <a:rPr lang="en-US" sz="1800" b="0" i="1" smtClean="0">
+                            <a:latin typeface="Cambria Math" panose="02040503050406030204" pitchFamily="18" charset="0"/>
+                          </a:rPr>
+                          <m:t>𝑑𝑙𝑛</m:t>
+                        </m:r>
+                        <m:r>
+                          <a:rPr lang="en-US" sz="1800" b="0" i="1" smtClean="0">
+                            <a:latin typeface="Cambria Math" panose="02040503050406030204" pitchFamily="18" charset="0"/>
+                          </a:rPr>
+                          <m:t> </m:t>
+                        </m:r>
+                        <m:sSub>
+                          <m:sSubPr>
+                            <m:ctrlPr>
+                              <a:rPr lang="en-US" sz="1800" b="0" i="1" smtClean="0">
+                                <a:latin typeface="Cambria Math" panose="02040503050406030204" pitchFamily="18" charset="0"/>
+                              </a:rPr>
+                            </m:ctrlPr>
+                          </m:sSubPr>
+                          <m:e>
+                            <m:r>
+                              <a:rPr lang="en-US" sz="1800" b="0" i="1" smtClean="0">
+                                <a:latin typeface="Cambria Math" panose="02040503050406030204" pitchFamily="18" charset="0"/>
+                              </a:rPr>
+                              <m:t>𝑥</m:t>
+                            </m:r>
+                          </m:e>
+                          <m:sub>
+                            <m:r>
+                              <a:rPr lang="en-US" sz="1800" b="0" i="1" smtClean="0">
+                                <a:latin typeface="Cambria Math" panose="02040503050406030204" pitchFamily="18" charset="0"/>
+                              </a:rPr>
+                              <m:t>1</m:t>
+                            </m:r>
+                          </m:sub>
+                        </m:sSub>
+                      </m:den>
+                    </m:f>
+                  </m:oMath>
+                </a14:m>
+                <a:r>
+                  <a:rPr lang="en-US" sz="1800" dirty="0"/>
+                  <a:t>)</a:t>
+                </a:r>
+                <a:endParaRPr lang="ru-RU" dirty="0"/>
+              </a:p>
+            </p:txBody>
+          </p:sp>
+        </mc:Choice>
+        <mc:Fallback>
+          <p:sp>
+            <p:nvSpPr>
+              <p:cNvPr id="40" name="TextBox 39">
+                <a:extLst>
+                  <a:ext uri="{FF2B5EF4-FFF2-40B4-BE49-F238E27FC236}">
+                    <a16:creationId xmlns:a16="http://schemas.microsoft.com/office/drawing/2014/main" id="{DD4D5C60-03B4-4E34-A784-56D23B6B6065}"/>
+                  </a:ext>
+                </a:extLst>
+              </p:cNvPr>
+              <p:cNvSpPr txBox="1">
+                <a:spLocks noRot="1" noChangeAspect="1" noMove="1" noResize="1" noEditPoints="1" noAdjustHandles="1" noChangeArrowheads="1" noChangeShapeType="1" noTextEdit="1"/>
+              </p:cNvSpPr>
+              <p:nvPr/>
+            </p:nvSpPr>
+            <p:spPr>
+              <a:xfrm>
+                <a:off x="9831705" y="1008341"/>
+                <a:ext cx="4728210" cy="524118"/>
+              </a:xfrm>
+              <a:prstGeom prst="rect">
+                <a:avLst/>
+              </a:prstGeom>
+              <a:blipFill>
+                <a:blip r:embed="rId9"/>
+                <a:stretch>
+                  <a:fillRect l="-387" b="-1163"/>
+                </a:stretch>
+              </a:blipFill>
+            </p:spPr>
+            <p:txBody>
+              <a:bodyPr/>
+              <a:lstStyle/>
+              <a:p>
+                <a:r>
+                  <a:rPr lang="ru-RU">
+                    <a:noFill/>
+                  </a:rPr>
+                  <a:t> </a:t>
+                </a:r>
+              </a:p>
+            </p:txBody>
+          </p:sp>
+        </mc:Fallback>
+      </mc:AlternateContent>
+      <p:pic>
+        <p:nvPicPr>
+          <p:cNvPr id="10" name="Рисунок 9">
+            <a:extLst>
+              <a:ext uri="{FF2B5EF4-FFF2-40B4-BE49-F238E27FC236}">
+                <a16:creationId xmlns:a16="http://schemas.microsoft.com/office/drawing/2014/main" id="{12A912BA-FF99-4749-A0FE-9B8AF0E5191F}"/>
+              </a:ext>
+            </a:extLst>
+          </p:cNvPr>
+          <p:cNvPicPr>
+            <a:picLocks noChangeAspect="1"/>
+          </p:cNvPicPr>
+          <p:nvPr/>
+        </p:nvPicPr>
+        <p:blipFill>
+          <a:blip r:embed="rId10"/>
+          <a:stretch>
+            <a:fillRect/>
+          </a:stretch>
+        </p:blipFill>
+        <p:spPr>
+          <a:xfrm>
+            <a:off x="9150441" y="1821603"/>
+            <a:ext cx="6086475" cy="1266825"/>
+          </a:xfrm>
+          <a:prstGeom prst="rect">
+            <a:avLst/>
+          </a:prstGeom>
+        </p:spPr>
+      </p:pic>
     </p:spTree>
     <p:extLst>
       <p:ext uri="{BB962C8B-B14F-4D97-AF65-F5344CB8AC3E}">
@@ -9421,8 +9708,8 @@
           </p:txBody>
         </p:sp>
       </p:grpSp>
-      <mc:AlternateContent xmlns:mc="http://schemas.openxmlformats.org/markup-compatibility/2006">
-        <mc:Choice xmlns:a14="http://schemas.microsoft.com/office/drawing/2010/main" Requires="a14">
+      <mc:AlternateContent xmlns:mc="http://schemas.openxmlformats.org/markup-compatibility/2006" xmlns:a14="http://schemas.microsoft.com/office/drawing/2010/main">
+        <mc:Choice Requires="a14">
           <p:sp>
             <p:nvSpPr>
               <p:cNvPr id="27" name="TextBox 26">
@@ -9534,7 +9821,7 @@
             </p:txBody>
           </p:sp>
         </mc:Choice>
-        <mc:Fallback>
+        <mc:Fallback xmlns="">
           <p:sp>
             <p:nvSpPr>
               <p:cNvPr id="27" name="TextBox 26">
@@ -9559,187 +9846,6 @@
               </a:prstGeom>
               <a:blipFill>
                 <a:blip r:embed="rId4"/>
-                <a:stretch>
-                  <a:fillRect/>
-                </a:stretch>
-              </a:blipFill>
-            </p:spPr>
-            <p:txBody>
-              <a:bodyPr/>
-              <a:lstStyle/>
-              <a:p>
-                <a:r>
-                  <a:rPr lang="ru-RU">
-                    <a:noFill/>
-                  </a:rPr>
-                  <a:t> </a:t>
-                </a:r>
-              </a:p>
-            </p:txBody>
-          </p:sp>
-        </mc:Fallback>
-      </mc:AlternateContent>
-      <mc:AlternateContent xmlns:mc="http://schemas.openxmlformats.org/markup-compatibility/2006" xmlns:a14="http://schemas.microsoft.com/office/drawing/2010/main">
-        <mc:Choice Requires="a14">
-          <p:sp>
-            <p:nvSpPr>
-              <p:cNvPr id="21" name="TextBox 20">
-                <a:extLst>
-                  <a:ext uri="{FF2B5EF4-FFF2-40B4-BE49-F238E27FC236}">
-                    <a16:creationId xmlns:a16="http://schemas.microsoft.com/office/drawing/2014/main" id="{2550D3BE-A29B-482D-917E-9BDD2261FAFC}"/>
-                  </a:ext>
-                </a:extLst>
-              </p:cNvPr>
-              <p:cNvSpPr txBox="1"/>
-              <p:nvPr/>
-            </p:nvSpPr>
-            <p:spPr>
-              <a:xfrm>
-                <a:off x="5390648" y="5245523"/>
-                <a:ext cx="2819108" cy="922176"/>
-              </a:xfrm>
-              <a:prstGeom prst="rect">
-                <a:avLst/>
-              </a:prstGeom>
-              <a:noFill/>
-            </p:spPr>
-            <p:txBody>
-              <a:bodyPr wrap="square">
-                <a:spAutoFit/>
-              </a:bodyPr>
-              <a:lstStyle/>
-              <a:p>
-                <a:pPr/>
-                <a14:m>
-                  <m:oMathPara xmlns:m="http://schemas.openxmlformats.org/officeDocument/2006/math">
-                    <m:oMathParaPr>
-                      <m:jc m:val="centerGroup"/>
-                    </m:oMathParaPr>
-                    <m:oMath xmlns:m="http://schemas.openxmlformats.org/officeDocument/2006/math">
-                      <m:r>
-                        <a:rPr lang="ru-RU" sz="2400" b="1" i="1" smtClean="0">
-                          <a:latin typeface="Cambria Math" panose="02040503050406030204" pitchFamily="18" charset="0"/>
-                        </a:rPr>
-                        <m:t>𝜼</m:t>
-                      </m:r>
-                      <m:r>
-                        <a:rPr lang="ru-RU" sz="2400" b="1" i="0">
-                          <a:latin typeface="Cambria Math" panose="02040503050406030204" pitchFamily="18" charset="0"/>
-                        </a:rPr>
-                        <m:t>=</m:t>
-                      </m:r>
-                      <m:sSub>
-                        <m:sSubPr>
-                          <m:ctrlPr>
-                            <a:rPr lang="ru-RU" sz="2400" b="1" i="1">
-                              <a:latin typeface="Cambria Math" panose="02040503050406030204" pitchFamily="18" charset="0"/>
-                            </a:rPr>
-                          </m:ctrlPr>
-                        </m:sSubPr>
-                        <m:e>
-                          <m:r>
-                            <a:rPr lang="ru-RU" sz="2400" b="1" i="1">
-                              <a:latin typeface="Cambria Math" panose="02040503050406030204" pitchFamily="18" charset="0"/>
-                            </a:rPr>
-                            <m:t>𝜼</m:t>
-                          </m:r>
-                        </m:e>
-                        <m:sub>
-                          <m:r>
-                            <a:rPr lang="ru-RU" sz="2400" b="1" i="0">
-                              <a:latin typeface="Cambria Math" panose="02040503050406030204" pitchFamily="18" charset="0"/>
-                            </a:rPr>
-                            <m:t>𝟎</m:t>
-                          </m:r>
-                        </m:sub>
-                      </m:sSub>
-                      <m:r>
-                        <a:rPr lang="ru-RU" sz="2400" b="1" i="0">
-                          <a:latin typeface="Cambria Math" panose="02040503050406030204" pitchFamily="18" charset="0"/>
-                        </a:rPr>
-                        <m:t>⁢</m:t>
-                      </m:r>
-                      <m:r>
-                        <a:rPr lang="ru-RU" sz="2400" b="1" i="0">
-                          <a:latin typeface="Cambria Math" panose="02040503050406030204" pitchFamily="18" charset="0"/>
-                        </a:rPr>
-                        <m:t>𝐞𝐱𝐩</m:t>
-                      </m:r>
-                      <m:r>
-                        <a:rPr lang="ru-RU" sz="2400" b="1" i="0">
-                          <a:latin typeface="Cambria Math" panose="02040503050406030204" pitchFamily="18" charset="0"/>
-                        </a:rPr>
-                        <m:t>⁢</m:t>
-                      </m:r>
-                      <m:d>
-                        <m:dPr>
-                          <m:ctrlPr>
-                            <a:rPr lang="ru-RU" sz="2400" b="1" i="1">
-                              <a:latin typeface="Cambria Math" panose="02040503050406030204" pitchFamily="18" charset="0"/>
-                            </a:rPr>
-                          </m:ctrlPr>
-                        </m:dPr>
-                        <m:e>
-                          <m:f>
-                            <m:fPr>
-                              <m:ctrlPr>
-                                <a:rPr lang="ru-RU" sz="2400" b="1" i="1">
-                                  <a:latin typeface="Cambria Math" panose="02040503050406030204" pitchFamily="18" charset="0"/>
-                                </a:rPr>
-                              </m:ctrlPr>
-                            </m:fPr>
-                            <m:num>
-                              <m:r>
-                                <a:rPr lang="ru-RU" sz="2400" b="1" i="1">
-                                  <a:latin typeface="Cambria Math" panose="02040503050406030204" pitchFamily="18" charset="0"/>
-                                </a:rPr>
-                                <m:t>𝑬</m:t>
-                              </m:r>
-                            </m:num>
-                            <m:den>
-                              <m:r>
-                                <a:rPr lang="ru-RU" sz="2400" b="1" i="0">
-                                  <a:latin typeface="Cambria Math" panose="02040503050406030204" pitchFamily="18" charset="0"/>
-                                </a:rPr>
-                                <m:t>𝐑𝐓</m:t>
-                              </m:r>
-                            </m:den>
-                          </m:f>
-                        </m:e>
-                      </m:d>
-                    </m:oMath>
-                  </m:oMathPara>
-                </a14:m>
-                <a:endParaRPr lang="ru-RU" sz="2400" b="1" dirty="0"/>
-              </a:p>
-            </p:txBody>
-          </p:sp>
-        </mc:Choice>
-        <mc:Fallback xmlns="">
-          <p:sp>
-            <p:nvSpPr>
-              <p:cNvPr id="21" name="TextBox 20">
-                <a:extLst>
-                  <a:ext uri="{FF2B5EF4-FFF2-40B4-BE49-F238E27FC236}">
-                    <a16:creationId xmlns:a16="http://schemas.microsoft.com/office/drawing/2014/main" id="{2550D3BE-A29B-482D-917E-9BDD2261FAFC}"/>
-                  </a:ext>
-                </a:extLst>
-              </p:cNvPr>
-              <p:cNvSpPr txBox="1">
-                <a:spLocks noRot="1" noChangeAspect="1" noMove="1" noResize="1" noEditPoints="1" noAdjustHandles="1" noChangeArrowheads="1" noChangeShapeType="1" noTextEdit="1"/>
-              </p:cNvSpPr>
-              <p:nvPr/>
-            </p:nvSpPr>
-            <p:spPr>
-              <a:xfrm>
-                <a:off x="5390648" y="5245523"/>
-                <a:ext cx="2819108" cy="922176"/>
-              </a:xfrm>
-              <a:prstGeom prst="rect">
-                <a:avLst/>
-              </a:prstGeom>
-              <a:blipFill>
-                <a:blip r:embed="rId8"/>
                 <a:stretch>
                   <a:fillRect/>
                 </a:stretch>
@@ -9822,8 +9928,8 @@
           </a:p>
         </p:txBody>
       </p:sp>
-      <mc:AlternateContent xmlns:mc="http://schemas.openxmlformats.org/markup-compatibility/2006">
-        <mc:Choice xmlns:a14="http://schemas.microsoft.com/office/drawing/2010/main" Requires="a14">
+      <mc:AlternateContent xmlns:mc="http://schemas.openxmlformats.org/markup-compatibility/2006" xmlns:a14="http://schemas.microsoft.com/office/drawing/2010/main">
+        <mc:Choice Requires="a14">
           <p:sp>
             <p:nvSpPr>
               <p:cNvPr id="24" name="TextBox 23">
@@ -9908,7 +10014,7 @@
             </p:txBody>
           </p:sp>
         </mc:Choice>
-        <mc:Fallback>
+        <mc:Fallback xmlns="">
           <p:sp>
             <p:nvSpPr>
               <p:cNvPr id="24" name="TextBox 23">
@@ -10031,8 +10137,8 @@
             </p:nvSpPr>
             <p:spPr>
               <a:xfrm>
-                <a:off x="5225366" y="3000934"/>
-                <a:ext cx="2391508" cy="856132"/>
+                <a:off x="3759198" y="2980107"/>
+                <a:ext cx="5384801" cy="856132"/>
               </a:xfrm>
               <a:prstGeom prst="rect">
                 <a:avLst/>
@@ -10131,6 +10237,286 @@
                           </m:r>
                         </m:den>
                       </m:f>
+                      <m:r>
+                        <a:rPr lang="ru-RU" sz="2400" i="1">
+                          <a:latin typeface="Cambria Math" panose="02040503050406030204" pitchFamily="18" charset="0"/>
+                          <a:ea typeface="Cambria Math" panose="02040503050406030204" pitchFamily="18" charset="0"/>
+                        </a:rPr>
+                        <m:t>⇒</m:t>
+                      </m:r>
+                      <m:r>
+                        <a:rPr lang="ru-RU" sz="2400" i="1">
+                          <a:latin typeface="Cambria Math" panose="02040503050406030204" pitchFamily="18" charset="0"/>
+                        </a:rPr>
+                        <m:t>𝐷</m:t>
+                      </m:r>
+                      <m:r>
+                        <a:rPr lang="ru-RU" sz="2400">
+                          <a:latin typeface="Cambria Math" panose="02040503050406030204" pitchFamily="18" charset="0"/>
+                        </a:rPr>
+                        <m:t>=</m:t>
+                      </m:r>
+                      <m:f>
+                        <m:fPr>
+                          <m:ctrlPr>
+                            <a:rPr lang="ru-RU" sz="2400" i="1">
+                              <a:latin typeface="Cambria Math" panose="02040503050406030204" pitchFamily="18" charset="0"/>
+                            </a:rPr>
+                          </m:ctrlPr>
+                        </m:fPr>
+                        <m:num>
+                          <m:r>
+                            <a:rPr lang="ru-RU" sz="2400">
+                              <a:latin typeface="Cambria Math" panose="02040503050406030204" pitchFamily="18" charset="0"/>
+                            </a:rPr>
+                            <m:t>⁢</m:t>
+                          </m:r>
+                          <m:r>
+                            <a:rPr lang="ru-RU" sz="2400" i="1">
+                              <a:latin typeface="Cambria Math" panose="02040503050406030204" pitchFamily="18" charset="0"/>
+                            </a:rPr>
+                            <m:t>𝑇</m:t>
+                          </m:r>
+                        </m:num>
+                        <m:den>
+                          <m:r>
+                            <m:rPr>
+                              <m:sty m:val="p"/>
+                            </m:rPr>
+                            <a:rPr lang="ru-RU" sz="2400">
+                              <a:latin typeface="Cambria Math" panose="02040503050406030204" pitchFamily="18" charset="0"/>
+                              <a:ea typeface="Cambria Math" panose="02040503050406030204" pitchFamily="18" charset="0"/>
+                            </a:rPr>
+                            <m:t>λ</m:t>
+                          </m:r>
+                          <m:r>
+                            <a:rPr lang="ru-RU" sz="2400">
+                              <a:latin typeface="Cambria Math" panose="02040503050406030204" pitchFamily="18" charset="0"/>
+                            </a:rPr>
+                            <m:t>⁢</m:t>
+                          </m:r>
+                          <m:r>
+                            <a:rPr lang="ru-RU" sz="2400" i="1">
+                              <a:latin typeface="Cambria Math" panose="02040503050406030204" pitchFamily="18" charset="0"/>
+                            </a:rPr>
+                            <m:t>𝜂</m:t>
+                          </m:r>
+                          <m:r>
+                            <a:rPr lang="ru-RU" sz="2400">
+                              <a:latin typeface="Cambria Math" panose="02040503050406030204" pitchFamily="18" charset="0"/>
+                            </a:rPr>
+                            <m:t>⁢</m:t>
+                          </m:r>
+                        </m:den>
+                      </m:f>
+                      <m:r>
+                        <a:rPr lang="en-US" sz="2400" b="0" i="1" smtClean="0">
+                          <a:latin typeface="Cambria Math" panose="02040503050406030204" pitchFamily="18" charset="0"/>
+                        </a:rPr>
+                        <m:t>;</m:t>
+                      </m:r>
+                      <m:r>
+                        <a:rPr lang="en-US" sz="2400" b="0" i="1" smtClean="0">
+                          <a:latin typeface="Cambria Math" panose="02040503050406030204" pitchFamily="18" charset="0"/>
+                          <a:ea typeface="Cambria Math" panose="02040503050406030204" pitchFamily="18" charset="0"/>
+                        </a:rPr>
+                        <m:t> </m:t>
+                      </m:r>
+                      <m:f>
+                        <m:fPr>
+                          <m:ctrlPr>
+                            <a:rPr lang="en-US" sz="2400" i="1">
+                              <a:latin typeface="Cambria Math" panose="02040503050406030204" pitchFamily="18" charset="0"/>
+                            </a:rPr>
+                          </m:ctrlPr>
+                        </m:fPr>
+                        <m:num>
+                          <m:sSub>
+                            <m:sSubPr>
+                              <m:ctrlPr>
+                                <a:rPr lang="en-US" sz="2400" i="1">
+                                  <a:latin typeface="Cambria Math" panose="02040503050406030204" pitchFamily="18" charset="0"/>
+                                </a:rPr>
+                              </m:ctrlPr>
+                            </m:sSubPr>
+                            <m:e>
+                              <m:r>
+                                <a:rPr lang="en-US" sz="2400" b="0" i="1">
+                                  <a:latin typeface="Cambria Math" panose="02040503050406030204" pitchFamily="18" charset="0"/>
+                                </a:rPr>
+                                <m:t>𝐷</m:t>
+                              </m:r>
+                            </m:e>
+                            <m:sub>
+                              <m:r>
+                                <a:rPr lang="en-US" sz="2400" b="0" i="1">
+                                  <a:latin typeface="Cambria Math" panose="02040503050406030204" pitchFamily="18" charset="0"/>
+                                </a:rPr>
+                                <m:t>1</m:t>
+                              </m:r>
+                            </m:sub>
+                          </m:sSub>
+                        </m:num>
+                        <m:den>
+                          <m:sSub>
+                            <m:sSubPr>
+                              <m:ctrlPr>
+                                <a:rPr lang="en-US" sz="2400" i="1">
+                                  <a:latin typeface="Cambria Math" panose="02040503050406030204" pitchFamily="18" charset="0"/>
+                                </a:rPr>
+                              </m:ctrlPr>
+                            </m:sSubPr>
+                            <m:e>
+                              <m:r>
+                                <a:rPr lang="en-US" sz="2400" b="0" i="1">
+                                  <a:latin typeface="Cambria Math" panose="02040503050406030204" pitchFamily="18" charset="0"/>
+                                </a:rPr>
+                                <m:t>𝐷</m:t>
+                              </m:r>
+                            </m:e>
+                            <m:sub>
+                              <m:r>
+                                <a:rPr lang="en-US" sz="2400" b="0" i="1">
+                                  <a:latin typeface="Cambria Math" panose="02040503050406030204" pitchFamily="18" charset="0"/>
+                                </a:rPr>
+                                <m:t>2</m:t>
+                              </m:r>
+                            </m:sub>
+                          </m:sSub>
+                        </m:den>
+                      </m:f>
+                      <m:r>
+                        <a:rPr lang="ru-RU" sz="2400" b="0" i="1">
+                          <a:latin typeface="Cambria Math" panose="02040503050406030204" pitchFamily="18" charset="0"/>
+                        </a:rPr>
+                        <m:t>=</m:t>
+                      </m:r>
+                      <m:f>
+                        <m:fPr>
+                          <m:ctrlPr>
+                            <a:rPr lang="en-US" sz="2400" i="1">
+                              <a:latin typeface="Cambria Math" panose="02040503050406030204" pitchFamily="18" charset="0"/>
+                            </a:rPr>
+                          </m:ctrlPr>
+                        </m:fPr>
+                        <m:num>
+                          <m:sSub>
+                            <m:sSubPr>
+                              <m:ctrlPr>
+                                <a:rPr lang="en-US" sz="2400" i="1">
+                                  <a:latin typeface="Cambria Math" panose="02040503050406030204" pitchFamily="18" charset="0"/>
+                                </a:rPr>
+                              </m:ctrlPr>
+                            </m:sSubPr>
+                            <m:e>
+                              <m:r>
+                                <a:rPr lang="en-US" sz="2400" b="0" i="1">
+                                  <a:latin typeface="Cambria Math" panose="02040503050406030204" pitchFamily="18" charset="0"/>
+                                </a:rPr>
+                                <m:t>𝑇</m:t>
+                              </m:r>
+                            </m:e>
+                            <m:sub>
+                              <m:r>
+                                <a:rPr lang="en-US" sz="2400" b="0" i="1">
+                                  <a:latin typeface="Cambria Math" panose="02040503050406030204" pitchFamily="18" charset="0"/>
+                                </a:rPr>
+                                <m:t>1</m:t>
+                              </m:r>
+                            </m:sub>
+                          </m:sSub>
+                        </m:num>
+                        <m:den>
+                          <m:sSub>
+                            <m:sSubPr>
+                              <m:ctrlPr>
+                                <a:rPr lang="en-US" sz="2400" i="1">
+                                  <a:latin typeface="Cambria Math" panose="02040503050406030204" pitchFamily="18" charset="0"/>
+                                </a:rPr>
+                              </m:ctrlPr>
+                            </m:sSubPr>
+                            <m:e>
+                              <m:r>
+                                <a:rPr lang="en-US" sz="2400" b="0" i="1">
+                                  <a:latin typeface="Cambria Math" panose="02040503050406030204" pitchFamily="18" charset="0"/>
+                                </a:rPr>
+                                <m:t>𝑇</m:t>
+                              </m:r>
+                            </m:e>
+                            <m:sub>
+                              <m:r>
+                                <a:rPr lang="en-US" sz="2400" b="0" i="1">
+                                  <a:latin typeface="Cambria Math" panose="02040503050406030204" pitchFamily="18" charset="0"/>
+                                </a:rPr>
+                                <m:t>2</m:t>
+                              </m:r>
+                            </m:sub>
+                          </m:sSub>
+                        </m:den>
+                      </m:f>
+                      <m:f>
+                        <m:fPr>
+                          <m:ctrlPr>
+                            <a:rPr lang="en-US" sz="2400" i="1">
+                              <a:latin typeface="Cambria Math" panose="02040503050406030204" pitchFamily="18" charset="0"/>
+                            </a:rPr>
+                          </m:ctrlPr>
+                        </m:fPr>
+                        <m:num>
+                          <m:sSub>
+                            <m:sSubPr>
+                              <m:ctrlPr>
+                                <a:rPr lang="en-US" sz="2400" i="1">
+                                  <a:latin typeface="Cambria Math" panose="02040503050406030204" pitchFamily="18" charset="0"/>
+                                </a:rPr>
+                              </m:ctrlPr>
+                            </m:sSubPr>
+                            <m:e>
+                              <m:r>
+                                <a:rPr lang="ru-RU" sz="2400" b="0" i="1">
+                                  <a:latin typeface="Cambria Math" panose="02040503050406030204" pitchFamily="18" charset="0"/>
+                                </a:rPr>
+                                <m:t>𝜂</m:t>
+                              </m:r>
+                            </m:e>
+                            <m:sub>
+                              <m:r>
+                                <a:rPr lang="en-US" sz="2400" b="0" i="1">
+                                  <a:latin typeface="Cambria Math" panose="02040503050406030204" pitchFamily="18" charset="0"/>
+                                </a:rPr>
+                                <m:t>2</m:t>
+                              </m:r>
+                            </m:sub>
+                          </m:sSub>
+                        </m:num>
+                        <m:den>
+                          <m:sSub>
+                            <m:sSubPr>
+                              <m:ctrlPr>
+                                <a:rPr lang="en-US" sz="2400" i="1">
+                                  <a:latin typeface="Cambria Math" panose="02040503050406030204" pitchFamily="18" charset="0"/>
+                                </a:rPr>
+                              </m:ctrlPr>
+                            </m:sSubPr>
+                            <m:e>
+                              <m:r>
+                                <a:rPr lang="ru-RU" sz="2400" b="0" i="1">
+                                  <a:latin typeface="Cambria Math" panose="02040503050406030204" pitchFamily="18" charset="0"/>
+                                </a:rPr>
+                                <m:t>𝜂</m:t>
+                              </m:r>
+                            </m:e>
+                            <m:sub>
+                              <m:r>
+                                <a:rPr lang="en-US" sz="2400" b="0" i="1">
+                                  <a:latin typeface="Cambria Math" panose="02040503050406030204" pitchFamily="18" charset="0"/>
+                                </a:rPr>
+                                <m:t>1</m:t>
+                              </m:r>
+                            </m:sub>
+                          </m:sSub>
+                        </m:den>
+                      </m:f>
                     </m:oMath>
                   </m:oMathPara>
                 </a14:m>
@@ -10156,8 +10542,8 @@
             </p:nvSpPr>
             <p:spPr>
               <a:xfrm>
-                <a:off x="5225366" y="3000934"/>
-                <a:ext cx="2391508" cy="856132"/>
+                <a:off x="3759198" y="2980107"/>
+                <a:ext cx="5384801" cy="856132"/>
               </a:xfrm>
               <a:prstGeom prst="rect">
                 <a:avLst/>
@@ -10260,462 +10646,6 @@
 </file>
 
 <file path=ppt/slides/slide6.xml><?xml version="1.0" encoding="utf-8"?>
-<p:sld xmlns:a="http://schemas.openxmlformats.org/drawingml/2006/main" xmlns:r="http://schemas.openxmlformats.org/officeDocument/2006/relationships" xmlns:p="http://schemas.openxmlformats.org/presentationml/2006/main">
-  <p:cSld>
-    <p:spTree>
-      <p:nvGrpSpPr>
-        <p:cNvPr id="1" name=""/>
-        <p:cNvGrpSpPr/>
-        <p:nvPr/>
-      </p:nvGrpSpPr>
-      <p:grpSpPr>
-        <a:xfrm>
-          <a:off x="0" y="0"/>
-          <a:ext cx="0" cy="0"/>
-          <a:chOff x="0" y="0"/>
-          <a:chExt cx="0" cy="0"/>
-        </a:xfrm>
-      </p:grpSpPr>
-      <p:sp>
-        <p:nvSpPr>
-          <p:cNvPr id="2" name="Заголовок 1">
-            <a:extLst>
-              <a:ext uri="{FF2B5EF4-FFF2-40B4-BE49-F238E27FC236}">
-                <a16:creationId xmlns:a16="http://schemas.microsoft.com/office/drawing/2014/main" id="{8F809DE2-0CC4-4A57-82F0-47A0F918627A}"/>
-              </a:ext>
-            </a:extLst>
-          </p:cNvPr>
-          <p:cNvSpPr>
-            <a:spLocks noGrp="1"/>
-          </p:cNvSpPr>
-          <p:nvPr>
-            <p:ph type="title"/>
-          </p:nvPr>
-        </p:nvSpPr>
-        <p:spPr/>
-        <p:txBody>
-          <a:bodyPr>
-            <a:normAutofit fontScale="90000"/>
-          </a:bodyPr>
-          <a:lstStyle/>
-          <a:p>
-            <a:r>
-              <a:rPr lang="ru-RU" dirty="0"/>
-              <a:t>ПРАКТИЧЕСКАЯ ЧАСТЬ. МОЛЕКУЛЯРНАЯ ДИНАМИКА</a:t>
-            </a:r>
-          </a:p>
-        </p:txBody>
-      </p:sp>
-      <p:grpSp>
-        <p:nvGrpSpPr>
-          <p:cNvPr id="12" name="Группа 11">
-            <a:extLst>
-              <a:ext uri="{FF2B5EF4-FFF2-40B4-BE49-F238E27FC236}">
-                <a16:creationId xmlns:a16="http://schemas.microsoft.com/office/drawing/2014/main" id="{5B4B494F-B75D-4A0B-BDA5-F3310AC3E1A1}"/>
-              </a:ext>
-            </a:extLst>
-          </p:cNvPr>
-          <p:cNvGrpSpPr/>
-          <p:nvPr/>
-        </p:nvGrpSpPr>
-        <p:grpSpPr>
-          <a:xfrm>
-            <a:off x="122257" y="704362"/>
-            <a:ext cx="3611509" cy="3937976"/>
-            <a:chOff x="157425" y="540531"/>
-            <a:chExt cx="4997519" cy="5449276"/>
-          </a:xfrm>
-        </p:grpSpPr>
-        <p:pic>
-          <p:nvPicPr>
-            <p:cNvPr id="10" name="Рисунок 9">
-              <a:extLst>
-                <a:ext uri="{FF2B5EF4-FFF2-40B4-BE49-F238E27FC236}">
-                  <a16:creationId xmlns:a16="http://schemas.microsoft.com/office/drawing/2014/main" id="{34139472-1DD6-43BE-8269-0FE69E0B9998}"/>
-                </a:ext>
-              </a:extLst>
-            </p:cNvPr>
-            <p:cNvPicPr>
-              <a:picLocks noChangeAspect="1"/>
-            </p:cNvPicPr>
-            <p:nvPr/>
-          </p:nvPicPr>
-          <p:blipFill rotWithShape="1">
-            <a:blip r:embed="rId2">
-              <a:extLst>
-                <a:ext uri="{28A0092B-C50C-407E-A947-70E740481C1C}">
-                  <a14:useLocalDpi xmlns:a14="http://schemas.microsoft.com/office/drawing/2010/main" val="0"/>
-                </a:ext>
-              </a:extLst>
-            </a:blip>
-            <a:srcRect/>
-            <a:stretch/>
-          </p:blipFill>
-          <p:spPr>
-            <a:xfrm>
-              <a:off x="157427" y="540531"/>
-              <a:ext cx="4997517" cy="5449276"/>
-            </a:xfrm>
-            <a:prstGeom prst="rect">
-              <a:avLst/>
-            </a:prstGeom>
-            <a:ln>
-              <a:noFill/>
-            </a:ln>
-            <a:effectLst>
-              <a:outerShdw blurRad="292100" dist="139700" dir="2700000" algn="tl" rotWithShape="0">
-                <a:srgbClr val="333333">
-                  <a:alpha val="65000"/>
-                </a:srgbClr>
-              </a:outerShdw>
-            </a:effectLst>
-          </p:spPr>
-        </p:pic>
-        <p:pic>
-          <p:nvPicPr>
-            <p:cNvPr id="8" name="Рисунок 7">
-              <a:extLst>
-                <a:ext uri="{FF2B5EF4-FFF2-40B4-BE49-F238E27FC236}">
-                  <a16:creationId xmlns:a16="http://schemas.microsoft.com/office/drawing/2014/main" id="{F54EC9B2-D5BF-4CEE-8176-6462937AEABC}"/>
-                </a:ext>
-              </a:extLst>
-            </p:cNvPr>
-            <p:cNvPicPr>
-              <a:picLocks noChangeAspect="1"/>
-            </p:cNvPicPr>
-            <p:nvPr/>
-          </p:nvPicPr>
-          <p:blipFill>
-            <a:blip r:embed="rId3"/>
-            <a:stretch>
-              <a:fillRect/>
-            </a:stretch>
-          </p:blipFill>
-          <p:spPr>
-            <a:xfrm>
-              <a:off x="157425" y="540531"/>
-              <a:ext cx="4997516" cy="3851677"/>
-            </a:xfrm>
-            <a:prstGeom prst="rect">
-              <a:avLst/>
-            </a:prstGeom>
-          </p:spPr>
-        </p:pic>
-        <p:pic>
-          <p:nvPicPr>
-            <p:cNvPr id="5" name="Рисунок 4">
-              <a:extLst>
-                <a:ext uri="{FF2B5EF4-FFF2-40B4-BE49-F238E27FC236}">
-                  <a16:creationId xmlns:a16="http://schemas.microsoft.com/office/drawing/2014/main" id="{14CA8150-0AE2-45D5-8B10-B77FFF627133}"/>
-                </a:ext>
-              </a:extLst>
-            </p:cNvPr>
-            <p:cNvPicPr>
-              <a:picLocks noChangeAspect="1"/>
-            </p:cNvPicPr>
-            <p:nvPr/>
-          </p:nvPicPr>
-          <p:blipFill rotWithShape="1">
-            <a:blip r:embed="rId2">
-              <a:extLst>
-                <a:ext uri="{28A0092B-C50C-407E-A947-70E740481C1C}">
-                  <a14:useLocalDpi xmlns:a14="http://schemas.microsoft.com/office/drawing/2010/main" val="0"/>
-                </a:ext>
-              </a:extLst>
-            </a:blip>
-            <a:srcRect/>
-            <a:stretch/>
-          </p:blipFill>
-          <p:spPr>
-            <a:xfrm>
-              <a:off x="157425" y="1463861"/>
-              <a:ext cx="4997517" cy="4525946"/>
-            </a:xfrm>
-            <a:prstGeom prst="rect">
-              <a:avLst/>
-            </a:prstGeom>
-            <a:ln>
-              <a:noFill/>
-            </a:ln>
-            <a:effectLst>
-              <a:outerShdw blurRad="292100" dist="139700" dir="2700000" algn="tl" rotWithShape="0">
-                <a:srgbClr val="333333">
-                  <a:alpha val="65000"/>
-                </a:srgbClr>
-              </a:outerShdw>
-            </a:effectLst>
-          </p:spPr>
-        </p:pic>
-        <p:sp>
-          <p:nvSpPr>
-            <p:cNvPr id="6" name="TextBox 5">
-              <a:extLst>
-                <a:ext uri="{FF2B5EF4-FFF2-40B4-BE49-F238E27FC236}">
-                  <a16:creationId xmlns:a16="http://schemas.microsoft.com/office/drawing/2014/main" id="{1758F73C-9E8C-4A1F-87F9-768404FC5D46}"/>
-                </a:ext>
-              </a:extLst>
-            </p:cNvPr>
-            <p:cNvSpPr txBox="1"/>
-            <p:nvPr/>
-          </p:nvSpPr>
-          <p:spPr>
-            <a:xfrm>
-              <a:off x="157426" y="540531"/>
-              <a:ext cx="4997518" cy="1022145"/>
-            </a:xfrm>
-            <a:prstGeom prst="rect">
-              <a:avLst/>
-            </a:prstGeom>
-            <a:noFill/>
-          </p:spPr>
-          <p:txBody>
-            <a:bodyPr wrap="square" rtlCol="0">
-              <a:spAutoFit/>
-            </a:bodyPr>
-            <a:lstStyle/>
-            <a:p>
-              <a:r>
-                <a:rPr lang="ru-RU" sz="1400" dirty="0">
-                  <a:solidFill>
-                    <a:schemeClr val="bg1"/>
-                  </a:solidFill>
-                </a:rPr>
-                <a:t>Пример расчётного куба: </a:t>
-              </a:r>
-              <a:br>
-                <a:rPr lang="ru-RU" sz="1400" dirty="0">
-                  <a:solidFill>
-                    <a:schemeClr val="bg1"/>
-                  </a:solidFill>
-                </a:rPr>
-              </a:br>
-              <a:r>
-                <a:rPr lang="ru-RU" sz="1400" i="1" dirty="0">
-                  <a:solidFill>
-                    <a:srgbClr val="FF0000"/>
-                  </a:solidFill>
-                </a:rPr>
-                <a:t>красным</a:t>
-              </a:r>
-              <a:r>
-                <a:rPr lang="ru-RU" sz="1400" dirty="0">
-                  <a:solidFill>
-                    <a:schemeClr val="bg1"/>
-                  </a:solidFill>
-                </a:rPr>
-                <a:t> раскрашены молекулы бутанола-1</a:t>
-              </a:r>
-              <a:br>
-                <a:rPr lang="ru-RU" sz="1400" dirty="0">
-                  <a:solidFill>
-                    <a:schemeClr val="bg1"/>
-                  </a:solidFill>
-                </a:rPr>
-              </a:br>
-              <a:r>
-                <a:rPr lang="ru-RU" sz="1400" i="1" dirty="0">
-                  <a:solidFill>
-                    <a:srgbClr val="00FFFF"/>
-                  </a:solidFill>
-                </a:rPr>
-                <a:t>голубым</a:t>
-              </a:r>
-              <a:r>
-                <a:rPr lang="ru-RU" sz="1400" dirty="0">
-                  <a:solidFill>
-                    <a:schemeClr val="bg1"/>
-                  </a:solidFill>
-                </a:rPr>
-                <a:t> - </a:t>
-              </a:r>
-              <a:r>
-                <a:rPr lang="en-US" sz="1400" dirty="0">
-                  <a:solidFill>
-                    <a:schemeClr val="bg1"/>
-                  </a:solidFill>
-                </a:rPr>
-                <a:t>DMEG</a:t>
-              </a:r>
-              <a:endParaRPr lang="ru-RU" sz="1400" dirty="0">
-                <a:solidFill>
-                  <a:schemeClr val="bg1"/>
-                </a:solidFill>
-              </a:endParaRPr>
-            </a:p>
-          </p:txBody>
-        </p:sp>
-      </p:grpSp>
-      <mc:AlternateContent xmlns:mc="http://schemas.openxmlformats.org/markup-compatibility/2006" xmlns:a14="http://schemas.microsoft.com/office/drawing/2010/main">
-        <mc:Choice Requires="a14">
-          <p:sp>
-            <p:nvSpPr>
-              <p:cNvPr id="9" name="TextBox 8">
-                <a:extLst>
-                  <a:ext uri="{FF2B5EF4-FFF2-40B4-BE49-F238E27FC236}">
-                    <a16:creationId xmlns:a16="http://schemas.microsoft.com/office/drawing/2014/main" id="{AA0EF226-8DA4-438A-8A8C-0324739E8139}"/>
-                  </a:ext>
-                </a:extLst>
-              </p:cNvPr>
-              <p:cNvSpPr txBox="1"/>
-              <p:nvPr/>
-            </p:nvSpPr>
-            <p:spPr>
-              <a:xfrm>
-                <a:off x="0" y="4837762"/>
-                <a:ext cx="3549872" cy="678519"/>
-              </a:xfrm>
-              <a:prstGeom prst="rect">
-                <a:avLst/>
-              </a:prstGeom>
-              <a:noFill/>
-            </p:spPr>
-            <p:txBody>
-              <a:bodyPr wrap="square">
-                <a:spAutoFit/>
-              </a:bodyPr>
-              <a:lstStyle/>
-              <a:p>
-                <a:pPr/>
-                <a14:m>
-                  <m:oMathPara xmlns:m="http://schemas.openxmlformats.org/officeDocument/2006/math">
-                    <m:oMathParaPr>
-                      <m:jc m:val="centerGroup"/>
-                    </m:oMathParaPr>
-                    <m:oMath xmlns:m="http://schemas.openxmlformats.org/officeDocument/2006/math">
-                      <m:r>
-                        <a:rPr lang="ru-RU" sz="2000" i="1" smtClean="0">
-                          <a:latin typeface="Cambria Math" panose="02040503050406030204" pitchFamily="18" charset="0"/>
-                        </a:rPr>
-                        <m:t>𝐷</m:t>
-                      </m:r>
-                      <m:r>
-                        <a:rPr lang="ru-RU" sz="2000" i="0">
-                          <a:latin typeface="Cambria Math" panose="02040503050406030204" pitchFamily="18" charset="0"/>
-                        </a:rPr>
-                        <m:t>=⁢</m:t>
-                      </m:r>
-                      <m:f>
-                        <m:fPr>
-                          <m:ctrlPr>
-                            <a:rPr lang="ru-RU" sz="2000" i="1">
-                              <a:latin typeface="Cambria Math" panose="02040503050406030204" pitchFamily="18" charset="0"/>
-                            </a:rPr>
-                          </m:ctrlPr>
-                        </m:fPr>
-                        <m:num>
-                          <m:r>
-                            <a:rPr lang="en-US" sz="2000" b="0" i="1" smtClean="0">
-                              <a:latin typeface="Cambria Math" panose="02040503050406030204" pitchFamily="18" charset="0"/>
-                            </a:rPr>
-                            <m:t>𝑀𝑆𝐷</m:t>
-                          </m:r>
-                          <m:r>
-                            <a:rPr lang="en-US" sz="2000" b="0" i="1" smtClean="0">
-                              <a:latin typeface="Cambria Math" panose="02040503050406030204" pitchFamily="18" charset="0"/>
-                            </a:rPr>
-                            <m:t>(</m:t>
-                          </m:r>
-                          <m:r>
-                            <a:rPr lang="en-US" sz="2000" b="0" i="1" smtClean="0">
-                              <a:latin typeface="Cambria Math" panose="02040503050406030204" pitchFamily="18" charset="0"/>
-                            </a:rPr>
-                            <m:t>𝑡</m:t>
-                          </m:r>
-                          <m:r>
-                            <a:rPr lang="en-US" sz="2000" b="0" i="1" smtClean="0">
-                              <a:latin typeface="Cambria Math" panose="02040503050406030204" pitchFamily="18" charset="0"/>
-                            </a:rPr>
-                            <m:t>)</m:t>
-                          </m:r>
-                        </m:num>
-                        <m:den>
-                          <m:r>
-                            <a:rPr lang="en-US" sz="2000" b="0" i="0" smtClean="0">
-                              <a:latin typeface="Cambria Math" panose="02040503050406030204" pitchFamily="18" charset="0"/>
-                            </a:rPr>
-                            <m:t>6</m:t>
-                          </m:r>
-                          <m:r>
-                            <a:rPr lang="ru-RU" sz="2000" i="0">
-                              <a:latin typeface="Cambria Math" panose="02040503050406030204" pitchFamily="18" charset="0"/>
-                            </a:rPr>
-                            <m:t>⁢</m:t>
-                          </m:r>
-                          <m:r>
-                            <a:rPr lang="ru-RU" sz="2000" i="1">
-                              <a:latin typeface="Cambria Math" panose="02040503050406030204" pitchFamily="18" charset="0"/>
-                            </a:rPr>
-                            <m:t>𝑡</m:t>
-                          </m:r>
-                        </m:den>
-                      </m:f>
-                    </m:oMath>
-                  </m:oMathPara>
-                </a14:m>
-                <a:endParaRPr lang="ru-RU" sz="2000" dirty="0"/>
-              </a:p>
-            </p:txBody>
-          </p:sp>
-        </mc:Choice>
-        <mc:Fallback xmlns="">
-          <p:sp>
-            <p:nvSpPr>
-              <p:cNvPr id="9" name="TextBox 8">
-                <a:extLst>
-                  <a:ext uri="{FF2B5EF4-FFF2-40B4-BE49-F238E27FC236}">
-                    <a16:creationId xmlns:a16="http://schemas.microsoft.com/office/drawing/2014/main" id="{AA0EF226-8DA4-438A-8A8C-0324739E8139}"/>
-                  </a:ext>
-                </a:extLst>
-              </p:cNvPr>
-              <p:cNvSpPr txBox="1">
-                <a:spLocks noRot="1" noChangeAspect="1" noMove="1" noResize="1" noEditPoints="1" noAdjustHandles="1" noChangeArrowheads="1" noChangeShapeType="1" noTextEdit="1"/>
-              </p:cNvSpPr>
-              <p:nvPr/>
-            </p:nvSpPr>
-            <p:spPr>
-              <a:xfrm>
-                <a:off x="0" y="4837762"/>
-                <a:ext cx="3549872" cy="678519"/>
-              </a:xfrm>
-              <a:prstGeom prst="rect">
-                <a:avLst/>
-              </a:prstGeom>
-              <a:blipFill>
-                <a:blip r:embed="rId4"/>
-                <a:stretch>
-                  <a:fillRect/>
-                </a:stretch>
-              </a:blipFill>
-            </p:spPr>
-            <p:txBody>
-              <a:bodyPr/>
-              <a:lstStyle/>
-              <a:p>
-                <a:r>
-                  <a:rPr lang="ru-RU">
-                    <a:noFill/>
-                  </a:rPr>
-                  <a:t> </a:t>
-                </a:r>
-              </a:p>
-            </p:txBody>
-          </p:sp>
-        </mc:Fallback>
-      </mc:AlternateContent>
-    </p:spTree>
-    <p:extLst>
-      <p:ext uri="{BB962C8B-B14F-4D97-AF65-F5344CB8AC3E}">
-        <p14:creationId xmlns:p14="http://schemas.microsoft.com/office/powerpoint/2010/main" val="1707727363"/>
-      </p:ext>
-    </p:extLst>
-  </p:cSld>
-  <p:clrMapOvr>
-    <a:masterClrMapping/>
-  </p:clrMapOvr>
-</p:sld>
-</file>
-
-<file path=ppt/slides/slide7.xml><?xml version="1.0" encoding="utf-8"?>
 <p:sld xmlns:a="http://schemas.openxmlformats.org/drawingml/2006/main" xmlns:r="http://schemas.openxmlformats.org/officeDocument/2006/relationships" xmlns:p="http://schemas.openxmlformats.org/presentationml/2006/main">
   <p:cSld>
     <p:spTree>
@@ -10892,7 +10822,7 @@
 </p:sld>
 </file>
 
-<file path=ppt/slides/slide8.xml><?xml version="1.0" encoding="utf-8"?>
+<file path=ppt/slides/slide7.xml><?xml version="1.0" encoding="utf-8"?>
 <p:sld xmlns:a="http://schemas.openxmlformats.org/drawingml/2006/main" xmlns:r="http://schemas.openxmlformats.org/officeDocument/2006/relationships" xmlns:p="http://schemas.openxmlformats.org/presentationml/2006/main">
   <p:cSld>
     <p:spTree>
@@ -10934,7 +10864,7 @@
           <a:p>
             <a:r>
               <a:rPr lang="ru-RU" dirty="0"/>
-              <a:t>ПРАКТИЧЕСКАЯ ЧАСТЬ. ОБОБЩЕННЫЕ ДАННЫЕ</a:t>
+              <a:t>ПРАКТИЧЕСКАЯ ЧАСТЬ. СВОДНЫЕ ГРАФИКИ</a:t>
             </a:r>
           </a:p>
         </p:txBody>
@@ -10979,6 +10909,237 @@
     <p:extLst>
       <p:ext uri="{BB962C8B-B14F-4D97-AF65-F5344CB8AC3E}">
         <p14:creationId xmlns:p14="http://schemas.microsoft.com/office/powerpoint/2010/main" val="686311583"/>
+      </p:ext>
+    </p:extLst>
+  </p:cSld>
+  <p:clrMapOvr>
+    <a:masterClrMapping/>
+  </p:clrMapOvr>
+</p:sld>
+</file>
+
+<file path=ppt/slides/slide8.xml><?xml version="1.0" encoding="utf-8"?>
+<p:sld xmlns:a="http://schemas.openxmlformats.org/drawingml/2006/main" xmlns:r="http://schemas.openxmlformats.org/officeDocument/2006/relationships" xmlns:p="http://schemas.openxmlformats.org/presentationml/2006/main">
+  <p:cSld>
+    <p:spTree>
+      <p:nvGrpSpPr>
+        <p:cNvPr id="1" name=""/>
+        <p:cNvGrpSpPr/>
+        <p:nvPr/>
+      </p:nvGrpSpPr>
+      <p:grpSpPr>
+        <a:xfrm>
+          <a:off x="0" y="0"/>
+          <a:ext cx="0" cy="0"/>
+          <a:chOff x="0" y="0"/>
+          <a:chExt cx="0" cy="0"/>
+        </a:xfrm>
+      </p:grpSpPr>
+      <p:sp>
+        <p:nvSpPr>
+          <p:cNvPr id="2" name="Заголовок 1">
+            <a:extLst>
+              <a:ext uri="{FF2B5EF4-FFF2-40B4-BE49-F238E27FC236}">
+                <a16:creationId xmlns:a16="http://schemas.microsoft.com/office/drawing/2014/main" id="{8F809DE2-0CC4-4A57-82F0-47A0F918627A}"/>
+              </a:ext>
+            </a:extLst>
+          </p:cNvPr>
+          <p:cNvSpPr>
+            <a:spLocks noGrp="1"/>
+          </p:cNvSpPr>
+          <p:nvPr>
+            <p:ph type="title"/>
+          </p:nvPr>
+        </p:nvSpPr>
+        <p:spPr/>
+        <p:txBody>
+          <a:bodyPr>
+            <a:normAutofit fontScale="90000"/>
+          </a:bodyPr>
+          <a:lstStyle/>
+          <a:p>
+            <a:r>
+              <a:rPr lang="ru-RU" dirty="0"/>
+              <a:t>ПРАКТИЧЕСКАЯ ЧАСТЬ. МОЛЕКУЛЯРНАЯ ДИНАМИКА</a:t>
+            </a:r>
+          </a:p>
+        </p:txBody>
+      </p:sp>
+      <p:grpSp>
+        <p:nvGrpSpPr>
+          <p:cNvPr id="7" name="Группа 6">
+            <a:extLst>
+              <a:ext uri="{FF2B5EF4-FFF2-40B4-BE49-F238E27FC236}">
+                <a16:creationId xmlns:a16="http://schemas.microsoft.com/office/drawing/2014/main" id="{874F5871-6F29-41B0-BFD7-A88131A4E6B5}"/>
+              </a:ext>
+            </a:extLst>
+          </p:cNvPr>
+          <p:cNvGrpSpPr/>
+          <p:nvPr/>
+        </p:nvGrpSpPr>
+        <p:grpSpPr>
+          <a:xfrm>
+            <a:off x="110066" y="696686"/>
+            <a:ext cx="3087203" cy="3325068"/>
+            <a:chOff x="110066" y="1009162"/>
+            <a:chExt cx="3087203" cy="3325068"/>
+          </a:xfrm>
+        </p:grpSpPr>
+        <p:sp>
+          <p:nvSpPr>
+            <p:cNvPr id="3" name="Прямоугольник 2">
+              <a:extLst>
+                <a:ext uri="{FF2B5EF4-FFF2-40B4-BE49-F238E27FC236}">
+                  <a16:creationId xmlns:a16="http://schemas.microsoft.com/office/drawing/2014/main" id="{080F235E-C56C-4EA0-8A41-CB571BAA64DE}"/>
+                </a:ext>
+              </a:extLst>
+            </p:cNvPr>
+            <p:cNvSpPr/>
+            <p:nvPr/>
+          </p:nvSpPr>
+          <p:spPr>
+            <a:xfrm>
+              <a:off x="110066" y="1009162"/>
+              <a:ext cx="3087203" cy="3325068"/>
+            </a:xfrm>
+            <a:prstGeom prst="rect">
+              <a:avLst/>
+            </a:prstGeom>
+            <a:solidFill>
+              <a:srgbClr val="000000"/>
+            </a:solidFill>
+            <a:ln>
+              <a:solidFill>
+                <a:srgbClr val="000000"/>
+              </a:solidFill>
+            </a:ln>
+          </p:spPr>
+          <p:style>
+            <a:lnRef idx="2">
+              <a:schemeClr val="accent1">
+                <a:shade val="50000"/>
+              </a:schemeClr>
+            </a:lnRef>
+            <a:fillRef idx="1">
+              <a:schemeClr val="accent1"/>
+            </a:fillRef>
+            <a:effectRef idx="0">
+              <a:schemeClr val="accent1"/>
+            </a:effectRef>
+            <a:fontRef idx="minor">
+              <a:schemeClr val="lt1"/>
+            </a:fontRef>
+          </p:style>
+          <p:txBody>
+            <a:bodyPr rtlCol="0" anchor="ctr"/>
+            <a:lstStyle/>
+            <a:p>
+              <a:pPr algn="ctr"/>
+              <a:endParaRPr lang="ru-RU"/>
+            </a:p>
+          </p:txBody>
+        </p:sp>
+        <p:pic>
+          <p:nvPicPr>
+            <p:cNvPr id="5" name="Рисунок 4">
+              <a:extLst>
+                <a:ext uri="{FF2B5EF4-FFF2-40B4-BE49-F238E27FC236}">
+                  <a16:creationId xmlns:a16="http://schemas.microsoft.com/office/drawing/2014/main" id="{14CA8150-0AE2-45D5-8B10-B77FFF627133}"/>
+                </a:ext>
+              </a:extLst>
+            </p:cNvPr>
+            <p:cNvPicPr>
+              <a:picLocks noChangeAspect="1"/>
+            </p:cNvPicPr>
+            <p:nvPr/>
+          </p:nvPicPr>
+          <p:blipFill rotWithShape="1">
+            <a:blip r:embed="rId2">
+              <a:extLst>
+                <a:ext uri="{28A0092B-C50C-407E-A947-70E740481C1C}">
+                  <a14:useLocalDpi xmlns:a14="http://schemas.microsoft.com/office/drawing/2010/main" val="0"/>
+                </a:ext>
+              </a:extLst>
+            </a:blip>
+            <a:srcRect/>
+            <a:stretch/>
+          </p:blipFill>
+          <p:spPr>
+            <a:xfrm>
+              <a:off x="110067" y="1063508"/>
+              <a:ext cx="3087202" cy="3270722"/>
+            </a:xfrm>
+            <a:prstGeom prst="rect">
+              <a:avLst/>
+            </a:prstGeom>
+            <a:ln>
+              <a:noFill/>
+            </a:ln>
+            <a:effectLst>
+              <a:outerShdw blurRad="292100" dist="139700" dir="2700000" algn="tl" rotWithShape="0">
+                <a:srgbClr val="333333">
+                  <a:alpha val="65000"/>
+                </a:srgbClr>
+              </a:outerShdw>
+            </a:effectLst>
+          </p:spPr>
+        </p:pic>
+        <p:sp>
+          <p:nvSpPr>
+            <p:cNvPr id="6" name="TextBox 5">
+              <a:extLst>
+                <a:ext uri="{FF2B5EF4-FFF2-40B4-BE49-F238E27FC236}">
+                  <a16:creationId xmlns:a16="http://schemas.microsoft.com/office/drawing/2014/main" id="{1758F73C-9E8C-4A1F-87F9-768404FC5D46}"/>
+                </a:ext>
+              </a:extLst>
+            </p:cNvPr>
+            <p:cNvSpPr txBox="1"/>
+            <p:nvPr/>
+          </p:nvSpPr>
+          <p:spPr>
+            <a:xfrm>
+              <a:off x="110066" y="1009162"/>
+              <a:ext cx="3087203" cy="523220"/>
+            </a:xfrm>
+            <a:prstGeom prst="rect">
+              <a:avLst/>
+            </a:prstGeom>
+            <a:noFill/>
+          </p:spPr>
+          <p:txBody>
+            <a:bodyPr wrap="square" rtlCol="0">
+              <a:spAutoFit/>
+            </a:bodyPr>
+            <a:lstStyle/>
+            <a:p>
+              <a:r>
+                <a:rPr lang="ru-RU" sz="1400" dirty="0">
+                  <a:solidFill>
+                    <a:schemeClr val="bg1"/>
+                  </a:solidFill>
+                </a:rPr>
+                <a:t>Пример расчётного куба бутанола-1: </a:t>
+              </a:r>
+              <a:br>
+                <a:rPr lang="ru-RU" sz="1400" dirty="0">
+                  <a:solidFill>
+                    <a:schemeClr val="bg1"/>
+                  </a:solidFill>
+                </a:rPr>
+              </a:br>
+              <a:endParaRPr lang="ru-RU" sz="1400" dirty="0">
+                <a:solidFill>
+                  <a:schemeClr val="bg1"/>
+                </a:solidFill>
+              </a:endParaRPr>
+            </a:p>
+          </p:txBody>
+        </p:sp>
+      </p:grpSp>
+    </p:spTree>
+    <p:extLst>
+      <p:ext uri="{BB962C8B-B14F-4D97-AF65-F5344CB8AC3E}">
+        <p14:creationId xmlns:p14="http://schemas.microsoft.com/office/powerpoint/2010/main" val="1707727363"/>
       </p:ext>
     </p:extLst>
   </p:cSld>
@@ -11030,31 +11191,6 @@
               <a:rPr lang="ru-RU" dirty="0"/>
               <a:t>ПРАКТИЧЕСКАЯ ЧАСТЬ. СВОДНАЯ ТАБЛИЦА</a:t>
             </a:r>
-          </a:p>
-        </p:txBody>
-      </p:sp>
-      <p:sp>
-        <p:nvSpPr>
-          <p:cNvPr id="3" name="Объект 2">
-            <a:extLst>
-              <a:ext uri="{FF2B5EF4-FFF2-40B4-BE49-F238E27FC236}">
-                <a16:creationId xmlns:a16="http://schemas.microsoft.com/office/drawing/2014/main" id="{2ED28BC8-4CB9-4B72-AE49-0FECBC75C496}"/>
-              </a:ext>
-            </a:extLst>
-          </p:cNvPr>
-          <p:cNvSpPr>
-            <a:spLocks noGrp="1"/>
-          </p:cNvSpPr>
-          <p:nvPr>
-            <p:ph idx="1"/>
-          </p:nvPr>
-        </p:nvSpPr>
-        <p:spPr/>
-        <p:txBody>
-          <a:bodyPr/>
-          <a:lstStyle/>
-          <a:p>
-            <a:endParaRPr lang="ru-RU" dirty="0"/>
           </a:p>
         </p:txBody>
       </p:sp>
